--- a/FNM.pptx
+++ b/FNM.pptx
@@ -107,6 +107,11 @@
       </a:defRPr>
     </a:lvl9pPr>
   </p:defaultTextStyle>
+  <p:extLst>
+    <p:ext uri="{EFAFB233-063F-42B5-8137-9DF3F51BA10A}">
+      <p15:sldGuideLst xmlns:p15="http://schemas.microsoft.com/office/powerpoint/2012/main"/>
+    </p:ext>
+  </p:extLst>
 </p:presentation>
 </file>
 
@@ -533,7 +538,7 @@
           <a:p>
             <a:fld id="{A8D8E86C-FE42-46CC-B307-915F43CCBD93}" type="datetimeFigureOut">
               <a:rPr lang="en-US" smtClean="0"/>
-              <a:t>4/4/2024</a:t>
+              <a:t>4/20/2024</a:t>
             </a:fld>
             <a:endParaRPr lang="en-US"/>
           </a:p>
@@ -947,7 +952,7 @@
           <a:p>
             <a:fld id="{98829BD3-2D47-48FF-9206-A9217EDD9C89}" type="datetimeFigureOut">
               <a:rPr lang="en-US" smtClean="0"/>
-              <a:t>4/4/2024</a:t>
+              <a:t>4/20/2024</a:t>
             </a:fld>
             <a:endParaRPr lang="en-US"/>
           </a:p>
@@ -1145,7 +1150,7 @@
           <a:p>
             <a:fld id="{98829BD3-2D47-48FF-9206-A9217EDD9C89}" type="datetimeFigureOut">
               <a:rPr lang="en-US" smtClean="0"/>
-              <a:t>4/4/2024</a:t>
+              <a:t>4/20/2024</a:t>
             </a:fld>
             <a:endParaRPr lang="en-US"/>
           </a:p>
@@ -1353,7 +1358,7 @@
           <a:p>
             <a:fld id="{98829BD3-2D47-48FF-9206-A9217EDD9C89}" type="datetimeFigureOut">
               <a:rPr lang="en-US" smtClean="0"/>
-              <a:t>4/4/2024</a:t>
+              <a:t>4/20/2024</a:t>
             </a:fld>
             <a:endParaRPr lang="en-US"/>
           </a:p>
@@ -1551,7 +1556,7 @@
           <a:p>
             <a:fld id="{98829BD3-2D47-48FF-9206-A9217EDD9C89}" type="datetimeFigureOut">
               <a:rPr lang="en-US" smtClean="0"/>
-              <a:t>4/4/2024</a:t>
+              <a:t>4/20/2024</a:t>
             </a:fld>
             <a:endParaRPr lang="en-US"/>
           </a:p>
@@ -1826,7 +1831,7 @@
           <a:p>
             <a:fld id="{98829BD3-2D47-48FF-9206-A9217EDD9C89}" type="datetimeFigureOut">
               <a:rPr lang="en-US" smtClean="0"/>
-              <a:t>4/4/2024</a:t>
+              <a:t>4/20/2024</a:t>
             </a:fld>
             <a:endParaRPr lang="en-US"/>
           </a:p>
@@ -2091,7 +2096,7 @@
           <a:p>
             <a:fld id="{98829BD3-2D47-48FF-9206-A9217EDD9C89}" type="datetimeFigureOut">
               <a:rPr lang="en-US" smtClean="0"/>
-              <a:t>4/4/2024</a:t>
+              <a:t>4/20/2024</a:t>
             </a:fld>
             <a:endParaRPr lang="en-US"/>
           </a:p>
@@ -2503,7 +2508,7 @@
           <a:p>
             <a:fld id="{98829BD3-2D47-48FF-9206-A9217EDD9C89}" type="datetimeFigureOut">
               <a:rPr lang="en-US" smtClean="0"/>
-              <a:t>4/4/2024</a:t>
+              <a:t>4/20/2024</a:t>
             </a:fld>
             <a:endParaRPr lang="en-US"/>
           </a:p>
@@ -2644,7 +2649,7 @@
           <a:p>
             <a:fld id="{98829BD3-2D47-48FF-9206-A9217EDD9C89}" type="datetimeFigureOut">
               <a:rPr lang="en-US" smtClean="0"/>
-              <a:t>4/4/2024</a:t>
+              <a:t>4/20/2024</a:t>
             </a:fld>
             <a:endParaRPr lang="en-US"/>
           </a:p>
@@ -2757,7 +2762,7 @@
           <a:p>
             <a:fld id="{98829BD3-2D47-48FF-9206-A9217EDD9C89}" type="datetimeFigureOut">
               <a:rPr lang="en-US" smtClean="0"/>
-              <a:t>4/4/2024</a:t>
+              <a:t>4/20/2024</a:t>
             </a:fld>
             <a:endParaRPr lang="en-US"/>
           </a:p>
@@ -3068,7 +3073,7 @@
           <a:p>
             <a:fld id="{98829BD3-2D47-48FF-9206-A9217EDD9C89}" type="datetimeFigureOut">
               <a:rPr lang="en-US" smtClean="0"/>
-              <a:t>4/4/2024</a:t>
+              <a:t>4/20/2024</a:t>
             </a:fld>
             <a:endParaRPr lang="en-US"/>
           </a:p>
@@ -3356,7 +3361,7 @@
           <a:p>
             <a:fld id="{98829BD3-2D47-48FF-9206-A9217EDD9C89}" type="datetimeFigureOut">
               <a:rPr lang="en-US" smtClean="0"/>
-              <a:t>4/4/2024</a:t>
+              <a:t>4/20/2024</a:t>
             </a:fld>
             <a:endParaRPr lang="en-US"/>
           </a:p>
@@ -3597,7 +3602,7 @@
           <a:p>
             <a:fld id="{98829BD3-2D47-48FF-9206-A9217EDD9C89}" type="datetimeFigureOut">
               <a:rPr lang="en-US" smtClean="0"/>
-              <a:t>4/4/2024</a:t>
+              <a:t>4/20/2024</a:t>
             </a:fld>
             <a:endParaRPr lang="en-US"/>
           </a:p>
@@ -4101,13 +4106,13 @@
           <p:nvPr>
             <p:extLst>
               <p:ext uri="{D42A27DB-BD31-4B8C-83A1-F6EECF244321}">
-                <p14:modId xmlns:p14="http://schemas.microsoft.com/office/powerpoint/2010/main" val="744030280"/>
+                <p14:modId xmlns:p14="http://schemas.microsoft.com/office/powerpoint/2010/main" val="1350937419"/>
               </p:ext>
             </p:extLst>
           </p:nvPr>
         </p:nvGraphicFramePr>
         <p:xfrm>
-          <a:off x="2857432" y="759196"/>
+          <a:off x="2859908" y="759196"/>
           <a:ext cx="3191193" cy="853440"/>
         </p:xfrm>
         <a:graphic>
@@ -4981,7 +4986,7 @@
                             <a:schemeClr val="tx1"/>
                           </a:solidFill>
                         </a:rPr>
-                        <a:t>‘I Win’ Cards</a:t>
+                        <a:t>Sudden Win</a:t>
                       </a:r>
                     </a:p>
                   </a:txBody>
@@ -5795,13 +5800,13 @@
           <p:nvPr>
             <p:extLst>
               <p:ext uri="{D42A27DB-BD31-4B8C-83A1-F6EECF244321}">
-                <p14:modId xmlns:p14="http://schemas.microsoft.com/office/powerpoint/2010/main" val="1592083272"/>
+                <p14:modId xmlns:p14="http://schemas.microsoft.com/office/powerpoint/2010/main" val="2053618040"/>
               </p:ext>
             </p:extLst>
           </p:nvPr>
         </p:nvGraphicFramePr>
         <p:xfrm>
-          <a:off x="2854128" y="80920"/>
+          <a:off x="2859908" y="80920"/>
           <a:ext cx="3191193" cy="640080"/>
         </p:xfrm>
         <a:graphic>
@@ -6214,7 +6219,7 @@
         </p:blipFill>
         <p:spPr>
           <a:xfrm>
-            <a:off x="5456847" y="3951873"/>
+            <a:off x="5486072" y="3951873"/>
             <a:ext cx="582139" cy="585994"/>
           </a:xfrm>
           <a:prstGeom prst="rect">
@@ -6236,10 +6241,10 @@
         </p:nvGrpSpPr>
         <p:grpSpPr>
           <a:xfrm>
-            <a:off x="2795709" y="1636814"/>
-            <a:ext cx="2666850" cy="251094"/>
+            <a:off x="2806296" y="1611647"/>
+            <a:ext cx="2738986" cy="296820"/>
             <a:chOff x="1639088" y="1740947"/>
-            <a:chExt cx="2666850" cy="251094"/>
+            <a:chExt cx="2738986" cy="296820"/>
           </a:xfrm>
         </p:grpSpPr>
         <p:cxnSp>
@@ -6300,8 +6305,8 @@
           </p:nvSpPr>
           <p:spPr>
             <a:xfrm>
-              <a:off x="1639088" y="1791986"/>
-              <a:ext cx="639919" cy="200055"/>
+              <a:off x="1639088" y="1837712"/>
+              <a:ext cx="572593" cy="200055"/>
             </a:xfrm>
             <a:prstGeom prst="rect">
               <a:avLst/>
@@ -6323,7 +6328,7 @@
                     </a:schemeClr>
                   </a:solidFill>
                 </a:rPr>
-                <a:t>Pile of Cards</a:t>
+                <a:t>Aggressive</a:t>
               </a:r>
             </a:p>
           </p:txBody>
@@ -6342,8 +6347,8 @@
           </p:nvSpPr>
           <p:spPr>
             <a:xfrm>
-              <a:off x="3919294" y="1791986"/>
-              <a:ext cx="386644" cy="200055"/>
+              <a:off x="3919294" y="1837712"/>
+              <a:ext cx="458780" cy="200055"/>
             </a:xfrm>
             <a:prstGeom prst="rect">
               <a:avLst/>
@@ -6365,7 +6370,7 @@
                     </a:schemeClr>
                   </a:solidFill>
                 </a:rPr>
-                <a:t>CEDH</a:t>
+                <a:t>Control</a:t>
               </a:r>
             </a:p>
           </p:txBody>
@@ -6384,8 +6389,8 @@
           </p:nvSpPr>
           <p:spPr>
             <a:xfrm>
-              <a:off x="2870562" y="1791986"/>
-              <a:ext cx="478016" cy="200055"/>
+              <a:off x="2442972" y="1837712"/>
+              <a:ext cx="574196" cy="200055"/>
             </a:xfrm>
             <a:prstGeom prst="rect">
               <a:avLst/>
@@ -6407,7 +6412,7 @@
                     </a:schemeClr>
                   </a:solidFill>
                 </a:rPr>
-                <a:t>Pre-Con</a:t>
+                <a:t>Mid Range</a:t>
               </a:r>
             </a:p>
           </p:txBody>
@@ -6426,7 +6431,7 @@
           </p:nvSpPr>
           <p:spPr>
             <a:xfrm>
-              <a:off x="3578910" y="1740947"/>
+              <a:off x="3234961" y="1740947"/>
               <a:ext cx="182880" cy="182880"/>
             </a:xfrm>
             <a:prstGeom prst="mathMultiply">
@@ -6461,6 +6466,48 @@
             <a:p>
               <a:pPr algn="ctr"/>
               <a:endParaRPr lang="en-US"/>
+            </a:p>
+          </p:txBody>
+        </p:sp>
+        <p:sp>
+          <p:nvSpPr>
+            <p:cNvPr id="2" name="TextBox 1">
+              <a:extLst>
+                <a:ext uri="{FF2B5EF4-FFF2-40B4-BE49-F238E27FC236}">
+                  <a16:creationId xmlns:a16="http://schemas.microsoft.com/office/drawing/2014/main" id="{522C7002-9D84-E600-1E90-00B7BCCCE3FC}"/>
+                </a:ext>
+              </a:extLst>
+            </p:cNvPr>
+            <p:cNvSpPr txBox="1"/>
+            <p:nvPr/>
+          </p:nvSpPr>
+          <p:spPr>
+            <a:xfrm>
+              <a:off x="3248459" y="1837712"/>
+              <a:ext cx="439544" cy="200055"/>
+            </a:xfrm>
+            <a:prstGeom prst="rect">
+              <a:avLst/>
+            </a:prstGeom>
+            <a:noFill/>
+          </p:spPr>
+          <p:txBody>
+            <a:bodyPr wrap="none" rtlCol="0">
+              <a:spAutoFit/>
+            </a:bodyPr>
+            <a:lstStyle/>
+            <a:p>
+              <a:r>
+                <a:rPr lang="en-US" sz="700" dirty="0">
+                  <a:solidFill>
+                    <a:schemeClr val="tx1">
+                      <a:lumMod val="50000"/>
+                      <a:lumOff val="50000"/>
+                    </a:schemeClr>
+                  </a:solidFill>
+                </a:rPr>
+                <a:t>Tempo</a:t>
+              </a:r>
             </a:p>
           </p:txBody>
         </p:sp>
@@ -6919,13 +6966,13 @@
           <p:nvPr>
             <p:extLst>
               <p:ext uri="{D42A27DB-BD31-4B8C-83A1-F6EECF244321}">
-                <p14:modId xmlns:p14="http://schemas.microsoft.com/office/powerpoint/2010/main" val="662497963"/>
+                <p14:modId xmlns:p14="http://schemas.microsoft.com/office/powerpoint/2010/main" val="3452587046"/>
               </p:ext>
             </p:extLst>
           </p:nvPr>
         </p:nvGraphicFramePr>
         <p:xfrm>
-          <a:off x="2857432" y="3060237"/>
+          <a:off x="2859908" y="3060237"/>
           <a:ext cx="3191193" cy="853440"/>
         </p:xfrm>
         <a:graphic>
@@ -7799,7 +7846,7 @@
                             <a:schemeClr val="tx1"/>
                           </a:solidFill>
                         </a:rPr>
-                        <a:t>‘I Win’ Cards</a:t>
+                        <a:t>Sudden Win</a:t>
                       </a:r>
                     </a:p>
                   </a:txBody>
@@ -8613,13 +8660,13 @@
           <p:nvPr>
             <p:extLst>
               <p:ext uri="{D42A27DB-BD31-4B8C-83A1-F6EECF244321}">
-                <p14:modId xmlns:p14="http://schemas.microsoft.com/office/powerpoint/2010/main" val="920620802"/>
+                <p14:modId xmlns:p14="http://schemas.microsoft.com/office/powerpoint/2010/main" val="2428011134"/>
               </p:ext>
             </p:extLst>
           </p:nvPr>
         </p:nvGraphicFramePr>
         <p:xfrm>
-          <a:off x="2854128" y="2381961"/>
+          <a:off x="2859908" y="2381961"/>
           <a:ext cx="3191193" cy="640080"/>
         </p:xfrm>
         <a:graphic>
@@ -8956,7 +9003,7 @@
                             <a:schemeClr val="tx1"/>
                           </a:solidFill>
                         </a:rPr>
-                        <a:t>Esper Sentinel; Grand Abolisher; Big &amp; Tiny Thalia</a:t>
+                        <a:t>Esper Sentinel; Grand Abolisher; Thalia</a:t>
                       </a:r>
                     </a:p>
                   </a:txBody>
@@ -9010,249 +9057,6 @@
           </a:graphicData>
         </a:graphic>
       </p:graphicFrame>
-      <p:grpSp>
-        <p:nvGrpSpPr>
-          <p:cNvPr id="67" name="Group 66">
-            <a:extLst>
-              <a:ext uri="{FF2B5EF4-FFF2-40B4-BE49-F238E27FC236}">
-                <a16:creationId xmlns:a16="http://schemas.microsoft.com/office/drawing/2014/main" id="{53E30D1E-6C92-E281-9E7C-93E486BDE6D9}"/>
-              </a:ext>
-            </a:extLst>
-          </p:cNvPr>
-          <p:cNvGrpSpPr/>
-          <p:nvPr/>
-        </p:nvGrpSpPr>
-        <p:grpSpPr>
-          <a:xfrm>
-            <a:off x="2795709" y="3937855"/>
-            <a:ext cx="2666850" cy="251094"/>
-            <a:chOff x="1639088" y="1740947"/>
-            <a:chExt cx="2666850" cy="251094"/>
-          </a:xfrm>
-        </p:grpSpPr>
-        <p:cxnSp>
-          <p:nvCxnSpPr>
-            <p:cNvPr id="68" name="Straight Connector 67">
-              <a:extLst>
-                <a:ext uri="{FF2B5EF4-FFF2-40B4-BE49-F238E27FC236}">
-                  <a16:creationId xmlns:a16="http://schemas.microsoft.com/office/drawing/2014/main" id="{4C2A6306-B376-904B-3EE6-1F5375970A17}"/>
-                </a:ext>
-              </a:extLst>
-            </p:cNvPr>
-            <p:cNvCxnSpPr>
-              <a:cxnSpLocks/>
-            </p:cNvCxnSpPr>
-            <p:nvPr/>
-          </p:nvCxnSpPr>
-          <p:spPr>
-            <a:xfrm>
-              <a:off x="1705763" y="1829160"/>
-              <a:ext cx="2545060" cy="6455"/>
-            </a:xfrm>
-            <a:prstGeom prst="line">
-              <a:avLst/>
-            </a:prstGeom>
-            <a:ln>
-              <a:solidFill>
-                <a:schemeClr val="tx2"/>
-              </a:solidFill>
-              <a:prstDash val="dash"/>
-            </a:ln>
-          </p:spPr>
-          <p:style>
-            <a:lnRef idx="1">
-              <a:schemeClr val="accent1"/>
-            </a:lnRef>
-            <a:fillRef idx="0">
-              <a:schemeClr val="accent1"/>
-            </a:fillRef>
-            <a:effectRef idx="0">
-              <a:schemeClr val="accent1"/>
-            </a:effectRef>
-            <a:fontRef idx="minor">
-              <a:schemeClr val="tx1"/>
-            </a:fontRef>
-          </p:style>
-        </p:cxnSp>
-        <p:sp>
-          <p:nvSpPr>
-            <p:cNvPr id="69" name="TextBox 68">
-              <a:extLst>
-                <a:ext uri="{FF2B5EF4-FFF2-40B4-BE49-F238E27FC236}">
-                  <a16:creationId xmlns:a16="http://schemas.microsoft.com/office/drawing/2014/main" id="{6B547F26-0EA6-7B7D-86E8-5FFAFCA9DE42}"/>
-                </a:ext>
-              </a:extLst>
-            </p:cNvPr>
-            <p:cNvSpPr txBox="1"/>
-            <p:nvPr/>
-          </p:nvSpPr>
-          <p:spPr>
-            <a:xfrm>
-              <a:off x="1639088" y="1791986"/>
-              <a:ext cx="639919" cy="200055"/>
-            </a:xfrm>
-            <a:prstGeom prst="rect">
-              <a:avLst/>
-            </a:prstGeom>
-            <a:noFill/>
-          </p:spPr>
-          <p:txBody>
-            <a:bodyPr wrap="none" rtlCol="0">
-              <a:spAutoFit/>
-            </a:bodyPr>
-            <a:lstStyle/>
-            <a:p>
-              <a:r>
-                <a:rPr lang="en-US" sz="700" dirty="0">
-                  <a:solidFill>
-                    <a:schemeClr val="tx1">
-                      <a:lumMod val="50000"/>
-                      <a:lumOff val="50000"/>
-                    </a:schemeClr>
-                  </a:solidFill>
-                </a:rPr>
-                <a:t>Pile of Cards</a:t>
-              </a:r>
-            </a:p>
-          </p:txBody>
-        </p:sp>
-        <p:sp>
-          <p:nvSpPr>
-            <p:cNvPr id="70" name="TextBox 69">
-              <a:extLst>
-                <a:ext uri="{FF2B5EF4-FFF2-40B4-BE49-F238E27FC236}">
-                  <a16:creationId xmlns:a16="http://schemas.microsoft.com/office/drawing/2014/main" id="{2E6D7A22-946F-1D74-9EAB-9A8FB77FA041}"/>
-                </a:ext>
-              </a:extLst>
-            </p:cNvPr>
-            <p:cNvSpPr txBox="1"/>
-            <p:nvPr/>
-          </p:nvSpPr>
-          <p:spPr>
-            <a:xfrm>
-              <a:off x="3919294" y="1791986"/>
-              <a:ext cx="386644" cy="200055"/>
-            </a:xfrm>
-            <a:prstGeom prst="rect">
-              <a:avLst/>
-            </a:prstGeom>
-            <a:noFill/>
-          </p:spPr>
-          <p:txBody>
-            <a:bodyPr wrap="none" rtlCol="0">
-              <a:spAutoFit/>
-            </a:bodyPr>
-            <a:lstStyle/>
-            <a:p>
-              <a:r>
-                <a:rPr lang="en-US" sz="700" dirty="0">
-                  <a:solidFill>
-                    <a:schemeClr val="tx1">
-                      <a:lumMod val="50000"/>
-                      <a:lumOff val="50000"/>
-                    </a:schemeClr>
-                  </a:solidFill>
-                </a:rPr>
-                <a:t>CEDH</a:t>
-              </a:r>
-            </a:p>
-          </p:txBody>
-        </p:sp>
-        <p:sp>
-          <p:nvSpPr>
-            <p:cNvPr id="71" name="TextBox 70">
-              <a:extLst>
-                <a:ext uri="{FF2B5EF4-FFF2-40B4-BE49-F238E27FC236}">
-                  <a16:creationId xmlns:a16="http://schemas.microsoft.com/office/drawing/2014/main" id="{EFAB596A-66B0-FB6F-2D7F-B849A8E76F9E}"/>
-                </a:ext>
-              </a:extLst>
-            </p:cNvPr>
-            <p:cNvSpPr txBox="1"/>
-            <p:nvPr/>
-          </p:nvSpPr>
-          <p:spPr>
-            <a:xfrm>
-              <a:off x="2870562" y="1791986"/>
-              <a:ext cx="478016" cy="200055"/>
-            </a:xfrm>
-            <a:prstGeom prst="rect">
-              <a:avLst/>
-            </a:prstGeom>
-            <a:noFill/>
-          </p:spPr>
-          <p:txBody>
-            <a:bodyPr wrap="none" rtlCol="0">
-              <a:spAutoFit/>
-            </a:bodyPr>
-            <a:lstStyle/>
-            <a:p>
-              <a:r>
-                <a:rPr lang="en-US" sz="700" dirty="0">
-                  <a:solidFill>
-                    <a:schemeClr val="tx1">
-                      <a:lumMod val="50000"/>
-                      <a:lumOff val="50000"/>
-                    </a:schemeClr>
-                  </a:solidFill>
-                </a:rPr>
-                <a:t>Pre-Con</a:t>
-              </a:r>
-            </a:p>
-          </p:txBody>
-        </p:sp>
-        <p:sp>
-          <p:nvSpPr>
-            <p:cNvPr id="72" name="Multiplication Sign 71">
-              <a:extLst>
-                <a:ext uri="{FF2B5EF4-FFF2-40B4-BE49-F238E27FC236}">
-                  <a16:creationId xmlns:a16="http://schemas.microsoft.com/office/drawing/2014/main" id="{1986DA0F-F084-E2D4-359F-DE1F5422D968}"/>
-                </a:ext>
-              </a:extLst>
-            </p:cNvPr>
-            <p:cNvSpPr/>
-            <p:nvPr/>
-          </p:nvSpPr>
-          <p:spPr>
-            <a:xfrm>
-              <a:off x="3778935" y="1740947"/>
-              <a:ext cx="182880" cy="182880"/>
-            </a:xfrm>
-            <a:prstGeom prst="mathMultiply">
-              <a:avLst/>
-            </a:prstGeom>
-            <a:solidFill>
-              <a:schemeClr val="tx2"/>
-            </a:solidFill>
-            <a:ln>
-              <a:noFill/>
-            </a:ln>
-          </p:spPr>
-          <p:style>
-            <a:lnRef idx="2">
-              <a:schemeClr val="accent1">
-                <a:shade val="15000"/>
-              </a:schemeClr>
-            </a:lnRef>
-            <a:fillRef idx="1">
-              <a:schemeClr val="accent1"/>
-            </a:fillRef>
-            <a:effectRef idx="0">
-              <a:schemeClr val="accent1"/>
-            </a:effectRef>
-            <a:fontRef idx="minor">
-              <a:schemeClr val="lt1"/>
-            </a:fontRef>
-          </p:style>
-          <p:txBody>
-            <a:bodyPr rtlCol="0" anchor="ctr"/>
-            <a:lstStyle/>
-            <a:p>
-              <a:pPr algn="ctr"/>
-              <a:endParaRPr lang="en-US"/>
-            </a:p>
-          </p:txBody>
-        </p:sp>
-      </p:grpSp>
       <p:grpSp>
         <p:nvGrpSpPr>
           <p:cNvPr id="73" name="Group 72">
@@ -9671,13 +9475,13 @@
           <p:nvPr>
             <p:extLst>
               <p:ext uri="{D42A27DB-BD31-4B8C-83A1-F6EECF244321}">
-                <p14:modId xmlns:p14="http://schemas.microsoft.com/office/powerpoint/2010/main" val="3914467326"/>
+                <p14:modId xmlns:p14="http://schemas.microsoft.com/office/powerpoint/2010/main" val="3381097538"/>
               </p:ext>
             </p:extLst>
           </p:nvPr>
         </p:nvGraphicFramePr>
         <p:xfrm>
-          <a:off x="2865687" y="5347739"/>
+          <a:off x="2859908" y="5347739"/>
           <a:ext cx="3191193" cy="853440"/>
         </p:xfrm>
         <a:graphic>
@@ -10546,7 +10350,7 @@
                             <a:schemeClr val="tx1"/>
                           </a:solidFill>
                         </a:rPr>
-                        <a:t>‘I Win’ Cards</a:t>
+                        <a:t>Sudden Win</a:t>
                       </a:r>
                     </a:p>
                   </a:txBody>
@@ -11392,13 +11196,13 @@
           <p:nvPr>
             <p:extLst>
               <p:ext uri="{D42A27DB-BD31-4B8C-83A1-F6EECF244321}">
-                <p14:modId xmlns:p14="http://schemas.microsoft.com/office/powerpoint/2010/main" val="3283780995"/>
+                <p14:modId xmlns:p14="http://schemas.microsoft.com/office/powerpoint/2010/main" val="2270367396"/>
               </p:ext>
             </p:extLst>
           </p:nvPr>
         </p:nvGraphicFramePr>
         <p:xfrm>
-          <a:off x="2862383" y="4669463"/>
+          <a:off x="2859908" y="4669463"/>
           <a:ext cx="3191193" cy="640080"/>
         </p:xfrm>
         <a:graphic>
@@ -11730,44 +11534,20 @@
                     <a:lstStyle/>
                     <a:p>
                       <a:r>
-                        <a:rPr lang="en-US" sz="800" dirty="0" err="1">
-                          <a:solidFill>
-                            <a:schemeClr val="tx1"/>
-                          </a:solidFill>
-                        </a:rPr>
-                        <a:t>Akroma’s</a:t>
-                      </a:r>
-                      <a:r>
                         <a:rPr lang="en-US" sz="800" dirty="0">
                           <a:solidFill>
                             <a:schemeClr val="tx1"/>
                           </a:solidFill>
                         </a:rPr>
-                        <a:t> Will; </a:t>
+                        <a:t>Akroma’s Will; </a:t>
                       </a:r>
                       <a:r>
-                        <a:rPr lang="en-US" sz="800" dirty="0" err="1">
+                        <a:rPr lang="it-IT" sz="800" dirty="0">
                           <a:solidFill>
                             <a:schemeClr val="tx1"/>
                           </a:solidFill>
                         </a:rPr>
-                        <a:t>Kinjalli’s</a:t>
-                      </a:r>
-                      <a:r>
-                        <a:rPr lang="en-US" sz="800" dirty="0">
-                          <a:solidFill>
-                            <a:schemeClr val="tx1"/>
-                          </a:solidFill>
-                        </a:rPr>
-                        <a:t> </a:t>
-                      </a:r>
-                      <a:r>
-                        <a:rPr lang="en-US" sz="800" dirty="0" err="1">
-                          <a:solidFill>
-                            <a:schemeClr val="tx1"/>
-                          </a:solidFill>
-                        </a:rPr>
-                        <a:t>Sunwing</a:t>
+                        <a:t>Etali, Primal Conqueror</a:t>
                       </a:r>
                       <a:endParaRPr lang="en-US" sz="800" dirty="0">
                         <a:solidFill>
@@ -11826,249 +11606,6 @@
           </a:graphicData>
         </a:graphic>
       </p:graphicFrame>
-      <p:grpSp>
-        <p:nvGrpSpPr>
-          <p:cNvPr id="85" name="Group 84">
-            <a:extLst>
-              <a:ext uri="{FF2B5EF4-FFF2-40B4-BE49-F238E27FC236}">
-                <a16:creationId xmlns:a16="http://schemas.microsoft.com/office/drawing/2014/main" id="{5BECEDEF-3875-7C04-1FDF-159FB722C24B}"/>
-              </a:ext>
-            </a:extLst>
-          </p:cNvPr>
-          <p:cNvGrpSpPr/>
-          <p:nvPr/>
-        </p:nvGrpSpPr>
-        <p:grpSpPr>
-          <a:xfrm>
-            <a:off x="2803964" y="6225357"/>
-            <a:ext cx="2666850" cy="251094"/>
-            <a:chOff x="1639088" y="1740947"/>
-            <a:chExt cx="2666850" cy="251094"/>
-          </a:xfrm>
-        </p:grpSpPr>
-        <p:cxnSp>
-          <p:nvCxnSpPr>
-            <p:cNvPr id="86" name="Straight Connector 85">
-              <a:extLst>
-                <a:ext uri="{FF2B5EF4-FFF2-40B4-BE49-F238E27FC236}">
-                  <a16:creationId xmlns:a16="http://schemas.microsoft.com/office/drawing/2014/main" id="{BF4670D5-51B0-4113-103F-A092DE741E8B}"/>
-                </a:ext>
-              </a:extLst>
-            </p:cNvPr>
-            <p:cNvCxnSpPr>
-              <a:cxnSpLocks/>
-            </p:cNvCxnSpPr>
-            <p:nvPr/>
-          </p:nvCxnSpPr>
-          <p:spPr>
-            <a:xfrm>
-              <a:off x="1705763" y="1829160"/>
-              <a:ext cx="2545060" cy="6455"/>
-            </a:xfrm>
-            <a:prstGeom prst="line">
-              <a:avLst/>
-            </a:prstGeom>
-            <a:ln>
-              <a:solidFill>
-                <a:schemeClr val="tx2"/>
-              </a:solidFill>
-              <a:prstDash val="dash"/>
-            </a:ln>
-          </p:spPr>
-          <p:style>
-            <a:lnRef idx="1">
-              <a:schemeClr val="accent1"/>
-            </a:lnRef>
-            <a:fillRef idx="0">
-              <a:schemeClr val="accent1"/>
-            </a:fillRef>
-            <a:effectRef idx="0">
-              <a:schemeClr val="accent1"/>
-            </a:effectRef>
-            <a:fontRef idx="minor">
-              <a:schemeClr val="tx1"/>
-            </a:fontRef>
-          </p:style>
-        </p:cxnSp>
-        <p:sp>
-          <p:nvSpPr>
-            <p:cNvPr id="87" name="TextBox 86">
-              <a:extLst>
-                <a:ext uri="{FF2B5EF4-FFF2-40B4-BE49-F238E27FC236}">
-                  <a16:creationId xmlns:a16="http://schemas.microsoft.com/office/drawing/2014/main" id="{906197ED-44A2-2F14-696A-4DE364BA269B}"/>
-                </a:ext>
-              </a:extLst>
-            </p:cNvPr>
-            <p:cNvSpPr txBox="1"/>
-            <p:nvPr/>
-          </p:nvSpPr>
-          <p:spPr>
-            <a:xfrm>
-              <a:off x="1639088" y="1791986"/>
-              <a:ext cx="639919" cy="200055"/>
-            </a:xfrm>
-            <a:prstGeom prst="rect">
-              <a:avLst/>
-            </a:prstGeom>
-            <a:noFill/>
-          </p:spPr>
-          <p:txBody>
-            <a:bodyPr wrap="none" rtlCol="0">
-              <a:spAutoFit/>
-            </a:bodyPr>
-            <a:lstStyle/>
-            <a:p>
-              <a:r>
-                <a:rPr lang="en-US" sz="700" dirty="0">
-                  <a:solidFill>
-                    <a:schemeClr val="tx1">
-                      <a:lumMod val="50000"/>
-                      <a:lumOff val="50000"/>
-                    </a:schemeClr>
-                  </a:solidFill>
-                </a:rPr>
-                <a:t>Pile of Cards</a:t>
-              </a:r>
-            </a:p>
-          </p:txBody>
-        </p:sp>
-        <p:sp>
-          <p:nvSpPr>
-            <p:cNvPr id="88" name="TextBox 87">
-              <a:extLst>
-                <a:ext uri="{FF2B5EF4-FFF2-40B4-BE49-F238E27FC236}">
-                  <a16:creationId xmlns:a16="http://schemas.microsoft.com/office/drawing/2014/main" id="{92E31082-C6F3-E676-F4F3-DEE17DD1FC55}"/>
-                </a:ext>
-              </a:extLst>
-            </p:cNvPr>
-            <p:cNvSpPr txBox="1"/>
-            <p:nvPr/>
-          </p:nvSpPr>
-          <p:spPr>
-            <a:xfrm>
-              <a:off x="3919294" y="1791986"/>
-              <a:ext cx="386644" cy="200055"/>
-            </a:xfrm>
-            <a:prstGeom prst="rect">
-              <a:avLst/>
-            </a:prstGeom>
-            <a:noFill/>
-          </p:spPr>
-          <p:txBody>
-            <a:bodyPr wrap="none" rtlCol="0">
-              <a:spAutoFit/>
-            </a:bodyPr>
-            <a:lstStyle/>
-            <a:p>
-              <a:r>
-                <a:rPr lang="en-US" sz="700" dirty="0">
-                  <a:solidFill>
-                    <a:schemeClr val="tx1">
-                      <a:lumMod val="50000"/>
-                      <a:lumOff val="50000"/>
-                    </a:schemeClr>
-                  </a:solidFill>
-                </a:rPr>
-                <a:t>CEDH</a:t>
-              </a:r>
-            </a:p>
-          </p:txBody>
-        </p:sp>
-        <p:sp>
-          <p:nvSpPr>
-            <p:cNvPr id="89" name="TextBox 88">
-              <a:extLst>
-                <a:ext uri="{FF2B5EF4-FFF2-40B4-BE49-F238E27FC236}">
-                  <a16:creationId xmlns:a16="http://schemas.microsoft.com/office/drawing/2014/main" id="{F0EC0CBB-CE82-107B-5902-8B32F7686CC7}"/>
-                </a:ext>
-              </a:extLst>
-            </p:cNvPr>
-            <p:cNvSpPr txBox="1"/>
-            <p:nvPr/>
-          </p:nvSpPr>
-          <p:spPr>
-            <a:xfrm>
-              <a:off x="2870562" y="1791986"/>
-              <a:ext cx="478016" cy="200055"/>
-            </a:xfrm>
-            <a:prstGeom prst="rect">
-              <a:avLst/>
-            </a:prstGeom>
-            <a:noFill/>
-          </p:spPr>
-          <p:txBody>
-            <a:bodyPr wrap="none" rtlCol="0">
-              <a:spAutoFit/>
-            </a:bodyPr>
-            <a:lstStyle/>
-            <a:p>
-              <a:r>
-                <a:rPr lang="en-US" sz="700" dirty="0">
-                  <a:solidFill>
-                    <a:schemeClr val="tx1">
-                      <a:lumMod val="50000"/>
-                      <a:lumOff val="50000"/>
-                    </a:schemeClr>
-                  </a:solidFill>
-                </a:rPr>
-                <a:t>Pre-Con</a:t>
-              </a:r>
-            </a:p>
-          </p:txBody>
-        </p:sp>
-        <p:sp>
-          <p:nvSpPr>
-            <p:cNvPr id="90" name="Multiplication Sign 89">
-              <a:extLst>
-                <a:ext uri="{FF2B5EF4-FFF2-40B4-BE49-F238E27FC236}">
-                  <a16:creationId xmlns:a16="http://schemas.microsoft.com/office/drawing/2014/main" id="{FD264049-F16F-3516-4B9F-A50C54173CCE}"/>
-                </a:ext>
-              </a:extLst>
-            </p:cNvPr>
-            <p:cNvSpPr/>
-            <p:nvPr/>
-          </p:nvSpPr>
-          <p:spPr>
-            <a:xfrm>
-              <a:off x="3416985" y="1740947"/>
-              <a:ext cx="182880" cy="182880"/>
-            </a:xfrm>
-            <a:prstGeom prst="mathMultiply">
-              <a:avLst/>
-            </a:prstGeom>
-            <a:solidFill>
-              <a:schemeClr val="tx2"/>
-            </a:solidFill>
-            <a:ln>
-              <a:noFill/>
-            </a:ln>
-          </p:spPr>
-          <p:style>
-            <a:lnRef idx="2">
-              <a:schemeClr val="accent1">
-                <a:shade val="15000"/>
-              </a:schemeClr>
-            </a:lnRef>
-            <a:fillRef idx="1">
-              <a:schemeClr val="accent1"/>
-            </a:fillRef>
-            <a:effectRef idx="0">
-              <a:schemeClr val="accent1"/>
-            </a:effectRef>
-            <a:fontRef idx="minor">
-              <a:schemeClr val="lt1"/>
-            </a:fontRef>
-          </p:style>
-          <p:txBody>
-            <a:bodyPr rtlCol="0" anchor="ctr"/>
-            <a:lstStyle/>
-            <a:p>
-              <a:pPr algn="ctr"/>
-              <a:endParaRPr lang="en-US"/>
-            </a:p>
-          </p:txBody>
-        </p:sp>
-      </p:grpSp>
       <p:grpSp>
         <p:nvGrpSpPr>
           <p:cNvPr id="91" name="Group 90">
@@ -12487,7 +12024,7 @@
           <p:nvPr>
             <p:extLst>
               <p:ext uri="{D42A27DB-BD31-4B8C-83A1-F6EECF244321}">
-                <p14:modId xmlns:p14="http://schemas.microsoft.com/office/powerpoint/2010/main" val="3969433218"/>
+                <p14:modId xmlns:p14="http://schemas.microsoft.com/office/powerpoint/2010/main" val="1751057193"/>
               </p:ext>
             </p:extLst>
           </p:nvPr>
@@ -13367,7 +12904,7 @@
                             <a:schemeClr val="tx1"/>
                           </a:solidFill>
                         </a:rPr>
-                        <a:t>‘I Win’ Cards</a:t>
+                        <a:t>Sudden Win</a:t>
                       </a:r>
                     </a:p>
                   </a:txBody>
@@ -14196,7 +13733,7 @@
           <p:nvPr>
             <p:extLst>
               <p:ext uri="{D42A27DB-BD31-4B8C-83A1-F6EECF244321}">
-                <p14:modId xmlns:p14="http://schemas.microsoft.com/office/powerpoint/2010/main" val="970325037"/>
+                <p14:modId xmlns:p14="http://schemas.microsoft.com/office/powerpoint/2010/main" val="2140697223"/>
               </p:ext>
             </p:extLst>
           </p:nvPr>
@@ -14539,23 +14076,7 @@
                             <a:schemeClr val="tx1"/>
                           </a:solidFill>
                         </a:rPr>
-                        <a:t>Grave Pact; </a:t>
-                      </a:r>
-                      <a:r>
-                        <a:rPr lang="en-US" sz="800" dirty="0" err="1">
-                          <a:solidFill>
-                            <a:schemeClr val="tx1"/>
-                          </a:solidFill>
-                        </a:rPr>
-                        <a:t>Syr</a:t>
-                      </a:r>
-                      <a:r>
-                        <a:rPr lang="en-US" sz="800" dirty="0">
-                          <a:solidFill>
-                            <a:schemeClr val="tx1"/>
-                          </a:solidFill>
-                        </a:rPr>
-                        <a:t> Conrad, the Grim; Damnation</a:t>
+                        <a:t>Grave Pact; Syr Conrad, the Grim</a:t>
                       </a:r>
                     </a:p>
                   </a:txBody>
@@ -14609,249 +14130,6 @@
           </a:graphicData>
         </a:graphic>
       </p:graphicFrame>
-      <p:grpSp>
-        <p:nvGrpSpPr>
-          <p:cNvPr id="105" name="Group 104">
-            <a:extLst>
-              <a:ext uri="{FF2B5EF4-FFF2-40B4-BE49-F238E27FC236}">
-                <a16:creationId xmlns:a16="http://schemas.microsoft.com/office/drawing/2014/main" id="{D4128BC3-6C2B-55A3-2A0E-5BD737A7BC1B}"/>
-              </a:ext>
-            </a:extLst>
-          </p:cNvPr>
-          <p:cNvGrpSpPr/>
-          <p:nvPr/>
-        </p:nvGrpSpPr>
-        <p:grpSpPr>
-          <a:xfrm>
-            <a:off x="7717167" y="1622648"/>
-            <a:ext cx="2666850" cy="251094"/>
-            <a:chOff x="1639088" y="1740947"/>
-            <a:chExt cx="2666850" cy="251094"/>
-          </a:xfrm>
-        </p:grpSpPr>
-        <p:cxnSp>
-          <p:nvCxnSpPr>
-            <p:cNvPr id="106" name="Straight Connector 105">
-              <a:extLst>
-                <a:ext uri="{FF2B5EF4-FFF2-40B4-BE49-F238E27FC236}">
-                  <a16:creationId xmlns:a16="http://schemas.microsoft.com/office/drawing/2014/main" id="{3FF60713-C7FE-76F2-7AEE-52B1F639B549}"/>
-                </a:ext>
-              </a:extLst>
-            </p:cNvPr>
-            <p:cNvCxnSpPr>
-              <a:cxnSpLocks/>
-            </p:cNvCxnSpPr>
-            <p:nvPr/>
-          </p:nvCxnSpPr>
-          <p:spPr>
-            <a:xfrm>
-              <a:off x="1705763" y="1829160"/>
-              <a:ext cx="2545060" cy="6455"/>
-            </a:xfrm>
-            <a:prstGeom prst="line">
-              <a:avLst/>
-            </a:prstGeom>
-            <a:ln>
-              <a:solidFill>
-                <a:schemeClr val="tx2"/>
-              </a:solidFill>
-              <a:prstDash val="dash"/>
-            </a:ln>
-          </p:spPr>
-          <p:style>
-            <a:lnRef idx="1">
-              <a:schemeClr val="accent1"/>
-            </a:lnRef>
-            <a:fillRef idx="0">
-              <a:schemeClr val="accent1"/>
-            </a:fillRef>
-            <a:effectRef idx="0">
-              <a:schemeClr val="accent1"/>
-            </a:effectRef>
-            <a:fontRef idx="minor">
-              <a:schemeClr val="tx1"/>
-            </a:fontRef>
-          </p:style>
-        </p:cxnSp>
-        <p:sp>
-          <p:nvSpPr>
-            <p:cNvPr id="107" name="TextBox 106">
-              <a:extLst>
-                <a:ext uri="{FF2B5EF4-FFF2-40B4-BE49-F238E27FC236}">
-                  <a16:creationId xmlns:a16="http://schemas.microsoft.com/office/drawing/2014/main" id="{0BAA5162-7758-0B6D-BA8A-52BC2373A672}"/>
-                </a:ext>
-              </a:extLst>
-            </p:cNvPr>
-            <p:cNvSpPr txBox="1"/>
-            <p:nvPr/>
-          </p:nvSpPr>
-          <p:spPr>
-            <a:xfrm>
-              <a:off x="1639088" y="1791986"/>
-              <a:ext cx="639919" cy="200055"/>
-            </a:xfrm>
-            <a:prstGeom prst="rect">
-              <a:avLst/>
-            </a:prstGeom>
-            <a:noFill/>
-          </p:spPr>
-          <p:txBody>
-            <a:bodyPr wrap="none" rtlCol="0">
-              <a:spAutoFit/>
-            </a:bodyPr>
-            <a:lstStyle/>
-            <a:p>
-              <a:r>
-                <a:rPr lang="en-US" sz="700" dirty="0">
-                  <a:solidFill>
-                    <a:schemeClr val="tx1">
-                      <a:lumMod val="50000"/>
-                      <a:lumOff val="50000"/>
-                    </a:schemeClr>
-                  </a:solidFill>
-                </a:rPr>
-                <a:t>Pile of Cards</a:t>
-              </a:r>
-            </a:p>
-          </p:txBody>
-        </p:sp>
-        <p:sp>
-          <p:nvSpPr>
-            <p:cNvPr id="108" name="TextBox 107">
-              <a:extLst>
-                <a:ext uri="{FF2B5EF4-FFF2-40B4-BE49-F238E27FC236}">
-                  <a16:creationId xmlns:a16="http://schemas.microsoft.com/office/drawing/2014/main" id="{C679F11F-4642-2B29-C0F2-7A448CB6C164}"/>
-                </a:ext>
-              </a:extLst>
-            </p:cNvPr>
-            <p:cNvSpPr txBox="1"/>
-            <p:nvPr/>
-          </p:nvSpPr>
-          <p:spPr>
-            <a:xfrm>
-              <a:off x="3919294" y="1791986"/>
-              <a:ext cx="386644" cy="200055"/>
-            </a:xfrm>
-            <a:prstGeom prst="rect">
-              <a:avLst/>
-            </a:prstGeom>
-            <a:noFill/>
-          </p:spPr>
-          <p:txBody>
-            <a:bodyPr wrap="none" rtlCol="0">
-              <a:spAutoFit/>
-            </a:bodyPr>
-            <a:lstStyle/>
-            <a:p>
-              <a:r>
-                <a:rPr lang="en-US" sz="700" dirty="0">
-                  <a:solidFill>
-                    <a:schemeClr val="tx1">
-                      <a:lumMod val="50000"/>
-                      <a:lumOff val="50000"/>
-                    </a:schemeClr>
-                  </a:solidFill>
-                </a:rPr>
-                <a:t>CEDH</a:t>
-              </a:r>
-            </a:p>
-          </p:txBody>
-        </p:sp>
-        <p:sp>
-          <p:nvSpPr>
-            <p:cNvPr id="109" name="TextBox 108">
-              <a:extLst>
-                <a:ext uri="{FF2B5EF4-FFF2-40B4-BE49-F238E27FC236}">
-                  <a16:creationId xmlns:a16="http://schemas.microsoft.com/office/drawing/2014/main" id="{54421147-5F50-7961-96A9-3777081440E5}"/>
-                </a:ext>
-              </a:extLst>
-            </p:cNvPr>
-            <p:cNvSpPr txBox="1"/>
-            <p:nvPr/>
-          </p:nvSpPr>
-          <p:spPr>
-            <a:xfrm>
-              <a:off x="2870562" y="1791986"/>
-              <a:ext cx="478016" cy="200055"/>
-            </a:xfrm>
-            <a:prstGeom prst="rect">
-              <a:avLst/>
-            </a:prstGeom>
-            <a:noFill/>
-          </p:spPr>
-          <p:txBody>
-            <a:bodyPr wrap="none" rtlCol="0">
-              <a:spAutoFit/>
-            </a:bodyPr>
-            <a:lstStyle/>
-            <a:p>
-              <a:r>
-                <a:rPr lang="en-US" sz="700" dirty="0">
-                  <a:solidFill>
-                    <a:schemeClr val="tx1">
-                      <a:lumMod val="50000"/>
-                      <a:lumOff val="50000"/>
-                    </a:schemeClr>
-                  </a:solidFill>
-                </a:rPr>
-                <a:t>Pre-Con</a:t>
-              </a:r>
-            </a:p>
-          </p:txBody>
-        </p:sp>
-        <p:sp>
-          <p:nvSpPr>
-            <p:cNvPr id="110" name="Multiplication Sign 109">
-              <a:extLst>
-                <a:ext uri="{FF2B5EF4-FFF2-40B4-BE49-F238E27FC236}">
-                  <a16:creationId xmlns:a16="http://schemas.microsoft.com/office/drawing/2014/main" id="{7497C0D1-B37F-E2D2-BABC-D05F1ED14679}"/>
-                </a:ext>
-              </a:extLst>
-            </p:cNvPr>
-            <p:cNvSpPr/>
-            <p:nvPr/>
-          </p:nvSpPr>
-          <p:spPr>
-            <a:xfrm>
-              <a:off x="3550335" y="1740947"/>
-              <a:ext cx="182880" cy="182880"/>
-            </a:xfrm>
-            <a:prstGeom prst="mathMultiply">
-              <a:avLst/>
-            </a:prstGeom>
-            <a:solidFill>
-              <a:schemeClr val="tx2"/>
-            </a:solidFill>
-            <a:ln>
-              <a:noFill/>
-            </a:ln>
-          </p:spPr>
-          <p:style>
-            <a:lnRef idx="2">
-              <a:schemeClr val="accent1">
-                <a:shade val="15000"/>
-              </a:schemeClr>
-            </a:lnRef>
-            <a:fillRef idx="1">
-              <a:schemeClr val="accent1"/>
-            </a:fillRef>
-            <a:effectRef idx="0">
-              <a:schemeClr val="accent1"/>
-            </a:effectRef>
-            <a:fontRef idx="minor">
-              <a:schemeClr val="lt1"/>
-            </a:fontRef>
-          </p:style>
-          <p:txBody>
-            <a:bodyPr rtlCol="0" anchor="ctr"/>
-            <a:lstStyle/>
-            <a:p>
-              <a:pPr algn="ctr"/>
-              <a:endParaRPr lang="en-US"/>
-            </a:p>
-          </p:txBody>
-        </p:sp>
-      </p:grpSp>
       <p:grpSp>
         <p:nvGrpSpPr>
           <p:cNvPr id="111" name="Group 110">
@@ -15270,7 +14548,7 @@
           <p:nvPr>
             <p:extLst>
               <p:ext uri="{D42A27DB-BD31-4B8C-83A1-F6EECF244321}">
-                <p14:modId xmlns:p14="http://schemas.microsoft.com/office/powerpoint/2010/main" val="3734657874"/>
+                <p14:modId xmlns:p14="http://schemas.microsoft.com/office/powerpoint/2010/main" val="4079197714"/>
               </p:ext>
             </p:extLst>
           </p:nvPr>
@@ -16150,7 +15428,7 @@
                             <a:schemeClr val="tx1"/>
                           </a:solidFill>
                         </a:rPr>
-                        <a:t>‘I Win’ Cards</a:t>
+                        <a:t>Sudden Win</a:t>
                       </a:r>
                     </a:p>
                   </a:txBody>
@@ -16974,7 +16252,7 @@
           <p:nvPr>
             <p:extLst>
               <p:ext uri="{D42A27DB-BD31-4B8C-83A1-F6EECF244321}">
-                <p14:modId xmlns:p14="http://schemas.microsoft.com/office/powerpoint/2010/main" val="1278169346"/>
+                <p14:modId xmlns:p14="http://schemas.microsoft.com/office/powerpoint/2010/main" val="676890452"/>
               </p:ext>
             </p:extLst>
           </p:nvPr>
@@ -17072,7 +16350,7 @@
                             <a:schemeClr val="tx1"/>
                           </a:solidFill>
                         </a:rPr>
-                        <a:t>Ramp -&gt; Cheat out big boys with cascade</a:t>
+                        <a:t>Ramp -&gt; Cascade, Cascade, Cascade, Cascade</a:t>
                       </a:r>
                     </a:p>
                   </a:txBody>
@@ -17312,34 +16590,13 @@
                     <a:lstStyle/>
                     <a:p>
                       <a:r>
-                        <a:rPr lang="en-US" sz="800" dirty="0" err="1">
-                          <a:solidFill>
-                            <a:schemeClr val="tx1"/>
-                          </a:solidFill>
-                        </a:rPr>
-                        <a:t>Koma</a:t>
-                      </a:r>
-                      <a:r>
                         <a:rPr lang="en-US" sz="800" dirty="0">
                           <a:solidFill>
                             <a:schemeClr val="tx1"/>
                           </a:solidFill>
                         </a:rPr>
-                        <a:t>, Cosmos Serpent; Last March of the </a:t>
+                        <a:t>Koma, Cosmos Serpent; Ancient Copper Dragon</a:t>
                       </a:r>
-                      <a:r>
-                        <a:rPr lang="en-US" sz="800" dirty="0" err="1">
-                          <a:solidFill>
-                            <a:schemeClr val="tx1"/>
-                          </a:solidFill>
-                        </a:rPr>
-                        <a:t>Ents</a:t>
-                      </a:r>
-                      <a:endParaRPr lang="en-US" sz="800" dirty="0">
-                        <a:solidFill>
-                          <a:schemeClr val="tx1"/>
-                        </a:solidFill>
-                      </a:endParaRPr>
                     </a:p>
                   </a:txBody>
                   <a:tcPr>
@@ -17392,249 +16649,6 @@
           </a:graphicData>
         </a:graphic>
       </p:graphicFrame>
-      <p:grpSp>
-        <p:nvGrpSpPr>
-          <p:cNvPr id="125" name="Group 124">
-            <a:extLst>
-              <a:ext uri="{FF2B5EF4-FFF2-40B4-BE49-F238E27FC236}">
-                <a16:creationId xmlns:a16="http://schemas.microsoft.com/office/drawing/2014/main" id="{9A7D1155-A4EE-3FB7-D2C0-AC8D3D6D4266}"/>
-              </a:ext>
-            </a:extLst>
-          </p:cNvPr>
-          <p:cNvGrpSpPr/>
-          <p:nvPr/>
-        </p:nvGrpSpPr>
-        <p:grpSpPr>
-          <a:xfrm>
-            <a:off x="7699565" y="3940515"/>
-            <a:ext cx="2666850" cy="251094"/>
-            <a:chOff x="1639088" y="1740947"/>
-            <a:chExt cx="2666850" cy="251094"/>
-          </a:xfrm>
-        </p:grpSpPr>
-        <p:cxnSp>
-          <p:nvCxnSpPr>
-            <p:cNvPr id="126" name="Straight Connector 125">
-              <a:extLst>
-                <a:ext uri="{FF2B5EF4-FFF2-40B4-BE49-F238E27FC236}">
-                  <a16:creationId xmlns:a16="http://schemas.microsoft.com/office/drawing/2014/main" id="{A5088DB0-6001-F5A4-5546-54A7278DC49C}"/>
-                </a:ext>
-              </a:extLst>
-            </p:cNvPr>
-            <p:cNvCxnSpPr>
-              <a:cxnSpLocks/>
-            </p:cNvCxnSpPr>
-            <p:nvPr/>
-          </p:nvCxnSpPr>
-          <p:spPr>
-            <a:xfrm>
-              <a:off x="1705763" y="1829160"/>
-              <a:ext cx="2545060" cy="6455"/>
-            </a:xfrm>
-            <a:prstGeom prst="line">
-              <a:avLst/>
-            </a:prstGeom>
-            <a:ln>
-              <a:solidFill>
-                <a:schemeClr val="tx2"/>
-              </a:solidFill>
-              <a:prstDash val="dash"/>
-            </a:ln>
-          </p:spPr>
-          <p:style>
-            <a:lnRef idx="1">
-              <a:schemeClr val="accent1"/>
-            </a:lnRef>
-            <a:fillRef idx="0">
-              <a:schemeClr val="accent1"/>
-            </a:fillRef>
-            <a:effectRef idx="0">
-              <a:schemeClr val="accent1"/>
-            </a:effectRef>
-            <a:fontRef idx="minor">
-              <a:schemeClr val="tx1"/>
-            </a:fontRef>
-          </p:style>
-        </p:cxnSp>
-        <p:sp>
-          <p:nvSpPr>
-            <p:cNvPr id="127" name="TextBox 126">
-              <a:extLst>
-                <a:ext uri="{FF2B5EF4-FFF2-40B4-BE49-F238E27FC236}">
-                  <a16:creationId xmlns:a16="http://schemas.microsoft.com/office/drawing/2014/main" id="{85763AAD-D40C-049C-75FA-B2B8FA87166D}"/>
-                </a:ext>
-              </a:extLst>
-            </p:cNvPr>
-            <p:cNvSpPr txBox="1"/>
-            <p:nvPr/>
-          </p:nvSpPr>
-          <p:spPr>
-            <a:xfrm>
-              <a:off x="1639088" y="1791986"/>
-              <a:ext cx="639919" cy="200055"/>
-            </a:xfrm>
-            <a:prstGeom prst="rect">
-              <a:avLst/>
-            </a:prstGeom>
-            <a:noFill/>
-          </p:spPr>
-          <p:txBody>
-            <a:bodyPr wrap="none" rtlCol="0">
-              <a:spAutoFit/>
-            </a:bodyPr>
-            <a:lstStyle/>
-            <a:p>
-              <a:r>
-                <a:rPr lang="en-US" sz="700" dirty="0">
-                  <a:solidFill>
-                    <a:schemeClr val="tx1">
-                      <a:lumMod val="50000"/>
-                      <a:lumOff val="50000"/>
-                    </a:schemeClr>
-                  </a:solidFill>
-                </a:rPr>
-                <a:t>Pile of Cards</a:t>
-              </a:r>
-            </a:p>
-          </p:txBody>
-        </p:sp>
-        <p:sp>
-          <p:nvSpPr>
-            <p:cNvPr id="128" name="TextBox 127">
-              <a:extLst>
-                <a:ext uri="{FF2B5EF4-FFF2-40B4-BE49-F238E27FC236}">
-                  <a16:creationId xmlns:a16="http://schemas.microsoft.com/office/drawing/2014/main" id="{657D069B-A902-13A9-C453-438CACC4A081}"/>
-                </a:ext>
-              </a:extLst>
-            </p:cNvPr>
-            <p:cNvSpPr txBox="1"/>
-            <p:nvPr/>
-          </p:nvSpPr>
-          <p:spPr>
-            <a:xfrm>
-              <a:off x="3919294" y="1791986"/>
-              <a:ext cx="386644" cy="200055"/>
-            </a:xfrm>
-            <a:prstGeom prst="rect">
-              <a:avLst/>
-            </a:prstGeom>
-            <a:noFill/>
-          </p:spPr>
-          <p:txBody>
-            <a:bodyPr wrap="none" rtlCol="0">
-              <a:spAutoFit/>
-            </a:bodyPr>
-            <a:lstStyle/>
-            <a:p>
-              <a:r>
-                <a:rPr lang="en-US" sz="700" dirty="0">
-                  <a:solidFill>
-                    <a:schemeClr val="tx1">
-                      <a:lumMod val="50000"/>
-                      <a:lumOff val="50000"/>
-                    </a:schemeClr>
-                  </a:solidFill>
-                </a:rPr>
-                <a:t>CEDH</a:t>
-              </a:r>
-            </a:p>
-          </p:txBody>
-        </p:sp>
-        <p:sp>
-          <p:nvSpPr>
-            <p:cNvPr id="129" name="TextBox 128">
-              <a:extLst>
-                <a:ext uri="{FF2B5EF4-FFF2-40B4-BE49-F238E27FC236}">
-                  <a16:creationId xmlns:a16="http://schemas.microsoft.com/office/drawing/2014/main" id="{18AA414A-C4BC-5BB6-A0EE-BF5C743A586E}"/>
-                </a:ext>
-              </a:extLst>
-            </p:cNvPr>
-            <p:cNvSpPr txBox="1"/>
-            <p:nvPr/>
-          </p:nvSpPr>
-          <p:spPr>
-            <a:xfrm>
-              <a:off x="2870562" y="1791986"/>
-              <a:ext cx="478016" cy="200055"/>
-            </a:xfrm>
-            <a:prstGeom prst="rect">
-              <a:avLst/>
-            </a:prstGeom>
-            <a:noFill/>
-          </p:spPr>
-          <p:txBody>
-            <a:bodyPr wrap="none" rtlCol="0">
-              <a:spAutoFit/>
-            </a:bodyPr>
-            <a:lstStyle/>
-            <a:p>
-              <a:r>
-                <a:rPr lang="en-US" sz="700" dirty="0">
-                  <a:solidFill>
-                    <a:schemeClr val="tx1">
-                      <a:lumMod val="50000"/>
-                      <a:lumOff val="50000"/>
-                    </a:schemeClr>
-                  </a:solidFill>
-                </a:rPr>
-                <a:t>Pre-Con</a:t>
-              </a:r>
-            </a:p>
-          </p:txBody>
-        </p:sp>
-        <p:sp>
-          <p:nvSpPr>
-            <p:cNvPr id="130" name="Multiplication Sign 129">
-              <a:extLst>
-                <a:ext uri="{FF2B5EF4-FFF2-40B4-BE49-F238E27FC236}">
-                  <a16:creationId xmlns:a16="http://schemas.microsoft.com/office/drawing/2014/main" id="{856B579C-20F9-6CB2-B18F-A44B1BAD78B7}"/>
-                </a:ext>
-              </a:extLst>
-            </p:cNvPr>
-            <p:cNvSpPr/>
-            <p:nvPr/>
-          </p:nvSpPr>
-          <p:spPr>
-            <a:xfrm>
-              <a:off x="3540810" y="1740947"/>
-              <a:ext cx="182880" cy="182880"/>
-            </a:xfrm>
-            <a:prstGeom prst="mathMultiply">
-              <a:avLst/>
-            </a:prstGeom>
-            <a:solidFill>
-              <a:schemeClr val="tx2"/>
-            </a:solidFill>
-            <a:ln>
-              <a:noFill/>
-            </a:ln>
-          </p:spPr>
-          <p:style>
-            <a:lnRef idx="2">
-              <a:schemeClr val="accent1">
-                <a:shade val="15000"/>
-              </a:schemeClr>
-            </a:lnRef>
-            <a:fillRef idx="1">
-              <a:schemeClr val="accent1"/>
-            </a:fillRef>
-            <a:effectRef idx="0">
-              <a:schemeClr val="accent1"/>
-            </a:effectRef>
-            <a:fontRef idx="minor">
-              <a:schemeClr val="lt1"/>
-            </a:fontRef>
-          </p:style>
-          <p:txBody>
-            <a:bodyPr rtlCol="0" anchor="ctr"/>
-            <a:lstStyle/>
-            <a:p>
-              <a:pPr algn="ctr"/>
-              <a:endParaRPr lang="en-US"/>
-            </a:p>
-          </p:txBody>
-        </p:sp>
-      </p:grpSp>
       <p:grpSp>
         <p:nvGrpSpPr>
           <p:cNvPr id="131" name="Group 130">
@@ -18162,7 +17176,7 @@
         </p:blipFill>
         <p:spPr>
           <a:xfrm>
-            <a:off x="5472951" y="1636106"/>
+            <a:off x="5484533" y="1636106"/>
             <a:ext cx="585216" cy="589091"/>
           </a:xfrm>
           <a:prstGeom prst="rect">
@@ -18192,7 +17206,7 @@
         </p:blipFill>
         <p:spPr>
           <a:xfrm>
-            <a:off x="10376846" y="3937855"/>
+            <a:off x="10393624" y="3937855"/>
             <a:ext cx="581366" cy="585216"/>
           </a:xfrm>
           <a:prstGeom prst="rect">
@@ -18222,7 +17236,7 @@
         </p:blipFill>
         <p:spPr>
           <a:xfrm>
-            <a:off x="5462559" y="6239375"/>
+            <a:off x="5484533" y="6239375"/>
             <a:ext cx="585216" cy="589091"/>
           </a:xfrm>
           <a:prstGeom prst="rect">
@@ -18230,6 +17244,1146 @@
           </a:prstGeom>
         </p:spPr>
       </p:pic>
+      <p:grpSp>
+        <p:nvGrpSpPr>
+          <p:cNvPr id="3" name="Group 2">
+            <a:extLst>
+              <a:ext uri="{FF2B5EF4-FFF2-40B4-BE49-F238E27FC236}">
+                <a16:creationId xmlns:a16="http://schemas.microsoft.com/office/drawing/2014/main" id="{564A6FFF-5F73-78DE-EFAA-DAAFC9AFB702}"/>
+              </a:ext>
+            </a:extLst>
+          </p:cNvPr>
+          <p:cNvGrpSpPr/>
+          <p:nvPr/>
+        </p:nvGrpSpPr>
+        <p:grpSpPr>
+          <a:xfrm>
+            <a:off x="7739399" y="1613424"/>
+            <a:ext cx="2738986" cy="296820"/>
+            <a:chOff x="1639088" y="1740947"/>
+            <a:chExt cx="2738986" cy="296820"/>
+          </a:xfrm>
+        </p:grpSpPr>
+        <p:cxnSp>
+          <p:nvCxnSpPr>
+            <p:cNvPr id="4" name="Straight Connector 3">
+              <a:extLst>
+                <a:ext uri="{FF2B5EF4-FFF2-40B4-BE49-F238E27FC236}">
+                  <a16:creationId xmlns:a16="http://schemas.microsoft.com/office/drawing/2014/main" id="{092514A7-FEC9-49F2-1F7A-EA3AEA19400B}"/>
+                </a:ext>
+              </a:extLst>
+            </p:cNvPr>
+            <p:cNvCxnSpPr>
+              <a:cxnSpLocks/>
+            </p:cNvCxnSpPr>
+            <p:nvPr/>
+          </p:nvCxnSpPr>
+          <p:spPr>
+            <a:xfrm>
+              <a:off x="1705763" y="1829160"/>
+              <a:ext cx="2545060" cy="6455"/>
+            </a:xfrm>
+            <a:prstGeom prst="line">
+              <a:avLst/>
+            </a:prstGeom>
+            <a:ln>
+              <a:solidFill>
+                <a:schemeClr val="tx2"/>
+              </a:solidFill>
+              <a:prstDash val="dash"/>
+            </a:ln>
+          </p:spPr>
+          <p:style>
+            <a:lnRef idx="1">
+              <a:schemeClr val="accent1"/>
+            </a:lnRef>
+            <a:fillRef idx="0">
+              <a:schemeClr val="accent1"/>
+            </a:fillRef>
+            <a:effectRef idx="0">
+              <a:schemeClr val="accent1"/>
+            </a:effectRef>
+            <a:fontRef idx="minor">
+              <a:schemeClr val="tx1"/>
+            </a:fontRef>
+          </p:style>
+        </p:cxnSp>
+        <p:sp>
+          <p:nvSpPr>
+            <p:cNvPr id="6" name="TextBox 5">
+              <a:extLst>
+                <a:ext uri="{FF2B5EF4-FFF2-40B4-BE49-F238E27FC236}">
+                  <a16:creationId xmlns:a16="http://schemas.microsoft.com/office/drawing/2014/main" id="{F9EC06F4-C9BD-E6E2-FE9E-41BB32738EBF}"/>
+                </a:ext>
+              </a:extLst>
+            </p:cNvPr>
+            <p:cNvSpPr txBox="1"/>
+            <p:nvPr/>
+          </p:nvSpPr>
+          <p:spPr>
+            <a:xfrm>
+              <a:off x="1639088" y="1837712"/>
+              <a:ext cx="572593" cy="200055"/>
+            </a:xfrm>
+            <a:prstGeom prst="rect">
+              <a:avLst/>
+            </a:prstGeom>
+            <a:noFill/>
+          </p:spPr>
+          <p:txBody>
+            <a:bodyPr wrap="none" rtlCol="0">
+              <a:spAutoFit/>
+            </a:bodyPr>
+            <a:lstStyle/>
+            <a:p>
+              <a:r>
+                <a:rPr lang="en-US" sz="700" dirty="0">
+                  <a:solidFill>
+                    <a:schemeClr val="tx1">
+                      <a:lumMod val="50000"/>
+                      <a:lumOff val="50000"/>
+                    </a:schemeClr>
+                  </a:solidFill>
+                </a:rPr>
+                <a:t>Aggressive</a:t>
+              </a:r>
+            </a:p>
+          </p:txBody>
+        </p:sp>
+        <p:sp>
+          <p:nvSpPr>
+            <p:cNvPr id="10" name="TextBox 9">
+              <a:extLst>
+                <a:ext uri="{FF2B5EF4-FFF2-40B4-BE49-F238E27FC236}">
+                  <a16:creationId xmlns:a16="http://schemas.microsoft.com/office/drawing/2014/main" id="{72B1CA0A-C9C9-4CD1-799A-8C7A2E661423}"/>
+                </a:ext>
+              </a:extLst>
+            </p:cNvPr>
+            <p:cNvSpPr txBox="1"/>
+            <p:nvPr/>
+          </p:nvSpPr>
+          <p:spPr>
+            <a:xfrm>
+              <a:off x="3919294" y="1837712"/>
+              <a:ext cx="458780" cy="200055"/>
+            </a:xfrm>
+            <a:prstGeom prst="rect">
+              <a:avLst/>
+            </a:prstGeom>
+            <a:noFill/>
+          </p:spPr>
+          <p:txBody>
+            <a:bodyPr wrap="none" rtlCol="0">
+              <a:spAutoFit/>
+            </a:bodyPr>
+            <a:lstStyle/>
+            <a:p>
+              <a:r>
+                <a:rPr lang="en-US" sz="700" dirty="0">
+                  <a:solidFill>
+                    <a:schemeClr val="tx1">
+                      <a:lumMod val="50000"/>
+                      <a:lumOff val="50000"/>
+                    </a:schemeClr>
+                  </a:solidFill>
+                </a:rPr>
+                <a:t>Control</a:t>
+              </a:r>
+            </a:p>
+          </p:txBody>
+        </p:sp>
+        <p:sp>
+          <p:nvSpPr>
+            <p:cNvPr id="12" name="TextBox 11">
+              <a:extLst>
+                <a:ext uri="{FF2B5EF4-FFF2-40B4-BE49-F238E27FC236}">
+                  <a16:creationId xmlns:a16="http://schemas.microsoft.com/office/drawing/2014/main" id="{758233E5-FB9C-B2F0-ABF1-ACC094B3F065}"/>
+                </a:ext>
+              </a:extLst>
+            </p:cNvPr>
+            <p:cNvSpPr txBox="1"/>
+            <p:nvPr/>
+          </p:nvSpPr>
+          <p:spPr>
+            <a:xfrm>
+              <a:off x="2442972" y="1837712"/>
+              <a:ext cx="574196" cy="200055"/>
+            </a:xfrm>
+            <a:prstGeom prst="rect">
+              <a:avLst/>
+            </a:prstGeom>
+            <a:noFill/>
+          </p:spPr>
+          <p:txBody>
+            <a:bodyPr wrap="none" rtlCol="0">
+              <a:spAutoFit/>
+            </a:bodyPr>
+            <a:lstStyle/>
+            <a:p>
+              <a:r>
+                <a:rPr lang="en-US" sz="700" dirty="0">
+                  <a:solidFill>
+                    <a:schemeClr val="tx1">
+                      <a:lumMod val="50000"/>
+                      <a:lumOff val="50000"/>
+                    </a:schemeClr>
+                  </a:solidFill>
+                </a:rPr>
+                <a:t>Mid Range</a:t>
+              </a:r>
+            </a:p>
+          </p:txBody>
+        </p:sp>
+        <p:sp>
+          <p:nvSpPr>
+            <p:cNvPr id="13" name="Multiplication Sign 12">
+              <a:extLst>
+                <a:ext uri="{FF2B5EF4-FFF2-40B4-BE49-F238E27FC236}">
+                  <a16:creationId xmlns:a16="http://schemas.microsoft.com/office/drawing/2014/main" id="{9997727A-182C-074A-CB27-681F3A10D2CB}"/>
+                </a:ext>
+              </a:extLst>
+            </p:cNvPr>
+            <p:cNvSpPr/>
+            <p:nvPr/>
+          </p:nvSpPr>
+          <p:spPr>
+            <a:xfrm>
+              <a:off x="2647731" y="1740947"/>
+              <a:ext cx="182880" cy="182880"/>
+            </a:xfrm>
+            <a:prstGeom prst="mathMultiply">
+              <a:avLst/>
+            </a:prstGeom>
+            <a:solidFill>
+              <a:schemeClr val="tx2"/>
+            </a:solidFill>
+            <a:ln>
+              <a:noFill/>
+            </a:ln>
+          </p:spPr>
+          <p:style>
+            <a:lnRef idx="2">
+              <a:schemeClr val="accent1">
+                <a:shade val="15000"/>
+              </a:schemeClr>
+            </a:lnRef>
+            <a:fillRef idx="1">
+              <a:schemeClr val="accent1"/>
+            </a:fillRef>
+            <a:effectRef idx="0">
+              <a:schemeClr val="accent1"/>
+            </a:effectRef>
+            <a:fontRef idx="minor">
+              <a:schemeClr val="lt1"/>
+            </a:fontRef>
+          </p:style>
+          <p:txBody>
+            <a:bodyPr rtlCol="0" anchor="ctr"/>
+            <a:lstStyle/>
+            <a:p>
+              <a:pPr algn="ctr"/>
+              <a:endParaRPr lang="en-US"/>
+            </a:p>
+          </p:txBody>
+        </p:sp>
+        <p:sp>
+          <p:nvSpPr>
+            <p:cNvPr id="14" name="TextBox 13">
+              <a:extLst>
+                <a:ext uri="{FF2B5EF4-FFF2-40B4-BE49-F238E27FC236}">
+                  <a16:creationId xmlns:a16="http://schemas.microsoft.com/office/drawing/2014/main" id="{1A6397FE-D2DD-A90E-2930-89E02569CBCE}"/>
+                </a:ext>
+              </a:extLst>
+            </p:cNvPr>
+            <p:cNvSpPr txBox="1"/>
+            <p:nvPr/>
+          </p:nvSpPr>
+          <p:spPr>
+            <a:xfrm>
+              <a:off x="3248459" y="1837712"/>
+              <a:ext cx="439544" cy="200055"/>
+            </a:xfrm>
+            <a:prstGeom prst="rect">
+              <a:avLst/>
+            </a:prstGeom>
+            <a:noFill/>
+          </p:spPr>
+          <p:txBody>
+            <a:bodyPr wrap="none" rtlCol="0">
+              <a:spAutoFit/>
+            </a:bodyPr>
+            <a:lstStyle/>
+            <a:p>
+              <a:r>
+                <a:rPr lang="en-US" sz="700" dirty="0">
+                  <a:solidFill>
+                    <a:schemeClr val="tx1">
+                      <a:lumMod val="50000"/>
+                      <a:lumOff val="50000"/>
+                    </a:schemeClr>
+                  </a:solidFill>
+                </a:rPr>
+                <a:t>Tempo</a:t>
+              </a:r>
+            </a:p>
+          </p:txBody>
+        </p:sp>
+      </p:grpSp>
+      <p:grpSp>
+        <p:nvGrpSpPr>
+          <p:cNvPr id="15" name="Group 14">
+            <a:extLst>
+              <a:ext uri="{FF2B5EF4-FFF2-40B4-BE49-F238E27FC236}">
+                <a16:creationId xmlns:a16="http://schemas.microsoft.com/office/drawing/2014/main" id="{9030E30A-C6E9-1E3E-85FE-C9FA62967481}"/>
+              </a:ext>
+            </a:extLst>
+          </p:cNvPr>
+          <p:cNvGrpSpPr/>
+          <p:nvPr/>
+        </p:nvGrpSpPr>
+        <p:grpSpPr>
+          <a:xfrm>
+            <a:off x="2806296" y="3928399"/>
+            <a:ext cx="2738986" cy="296820"/>
+            <a:chOff x="1639088" y="1740947"/>
+            <a:chExt cx="2738986" cy="296820"/>
+          </a:xfrm>
+        </p:grpSpPr>
+        <p:cxnSp>
+          <p:nvCxnSpPr>
+            <p:cNvPr id="19" name="Straight Connector 18">
+              <a:extLst>
+                <a:ext uri="{FF2B5EF4-FFF2-40B4-BE49-F238E27FC236}">
+                  <a16:creationId xmlns:a16="http://schemas.microsoft.com/office/drawing/2014/main" id="{7A587E21-D0BE-3F12-681B-8324277F0356}"/>
+                </a:ext>
+              </a:extLst>
+            </p:cNvPr>
+            <p:cNvCxnSpPr>
+              <a:cxnSpLocks/>
+            </p:cNvCxnSpPr>
+            <p:nvPr/>
+          </p:nvCxnSpPr>
+          <p:spPr>
+            <a:xfrm>
+              <a:off x="1705763" y="1829160"/>
+              <a:ext cx="2545060" cy="6455"/>
+            </a:xfrm>
+            <a:prstGeom prst="line">
+              <a:avLst/>
+            </a:prstGeom>
+            <a:ln>
+              <a:solidFill>
+                <a:schemeClr val="tx2"/>
+              </a:solidFill>
+              <a:prstDash val="dash"/>
+            </a:ln>
+          </p:spPr>
+          <p:style>
+            <a:lnRef idx="1">
+              <a:schemeClr val="accent1"/>
+            </a:lnRef>
+            <a:fillRef idx="0">
+              <a:schemeClr val="accent1"/>
+            </a:fillRef>
+            <a:effectRef idx="0">
+              <a:schemeClr val="accent1"/>
+            </a:effectRef>
+            <a:fontRef idx="minor">
+              <a:schemeClr val="tx1"/>
+            </a:fontRef>
+          </p:style>
+        </p:cxnSp>
+        <p:sp>
+          <p:nvSpPr>
+            <p:cNvPr id="20" name="TextBox 19">
+              <a:extLst>
+                <a:ext uri="{FF2B5EF4-FFF2-40B4-BE49-F238E27FC236}">
+                  <a16:creationId xmlns:a16="http://schemas.microsoft.com/office/drawing/2014/main" id="{E996D90D-BE54-0A9D-7BDF-1B6841B0836A}"/>
+                </a:ext>
+              </a:extLst>
+            </p:cNvPr>
+            <p:cNvSpPr txBox="1"/>
+            <p:nvPr/>
+          </p:nvSpPr>
+          <p:spPr>
+            <a:xfrm>
+              <a:off x="1639088" y="1837712"/>
+              <a:ext cx="572593" cy="200055"/>
+            </a:xfrm>
+            <a:prstGeom prst="rect">
+              <a:avLst/>
+            </a:prstGeom>
+            <a:noFill/>
+          </p:spPr>
+          <p:txBody>
+            <a:bodyPr wrap="none" rtlCol="0">
+              <a:spAutoFit/>
+            </a:bodyPr>
+            <a:lstStyle/>
+            <a:p>
+              <a:r>
+                <a:rPr lang="en-US" sz="700" dirty="0">
+                  <a:solidFill>
+                    <a:schemeClr val="tx1">
+                      <a:lumMod val="50000"/>
+                      <a:lumOff val="50000"/>
+                    </a:schemeClr>
+                  </a:solidFill>
+                </a:rPr>
+                <a:t>Aggressive</a:t>
+              </a:r>
+            </a:p>
+          </p:txBody>
+        </p:sp>
+        <p:sp>
+          <p:nvSpPr>
+            <p:cNvPr id="21" name="TextBox 20">
+              <a:extLst>
+                <a:ext uri="{FF2B5EF4-FFF2-40B4-BE49-F238E27FC236}">
+                  <a16:creationId xmlns:a16="http://schemas.microsoft.com/office/drawing/2014/main" id="{14D8C4A7-0269-B974-7252-B530772854A2}"/>
+                </a:ext>
+              </a:extLst>
+            </p:cNvPr>
+            <p:cNvSpPr txBox="1"/>
+            <p:nvPr/>
+          </p:nvSpPr>
+          <p:spPr>
+            <a:xfrm>
+              <a:off x="3919294" y="1837712"/>
+              <a:ext cx="458780" cy="200055"/>
+            </a:xfrm>
+            <a:prstGeom prst="rect">
+              <a:avLst/>
+            </a:prstGeom>
+            <a:noFill/>
+          </p:spPr>
+          <p:txBody>
+            <a:bodyPr wrap="none" rtlCol="0">
+              <a:spAutoFit/>
+            </a:bodyPr>
+            <a:lstStyle/>
+            <a:p>
+              <a:r>
+                <a:rPr lang="en-US" sz="700" dirty="0">
+                  <a:solidFill>
+                    <a:schemeClr val="tx1">
+                      <a:lumMod val="50000"/>
+                      <a:lumOff val="50000"/>
+                    </a:schemeClr>
+                  </a:solidFill>
+                </a:rPr>
+                <a:t>Control</a:t>
+              </a:r>
+            </a:p>
+          </p:txBody>
+        </p:sp>
+        <p:sp>
+          <p:nvSpPr>
+            <p:cNvPr id="22" name="TextBox 21">
+              <a:extLst>
+                <a:ext uri="{FF2B5EF4-FFF2-40B4-BE49-F238E27FC236}">
+                  <a16:creationId xmlns:a16="http://schemas.microsoft.com/office/drawing/2014/main" id="{99CC5D49-0E93-BD7E-4B03-F837B13813D3}"/>
+                </a:ext>
+              </a:extLst>
+            </p:cNvPr>
+            <p:cNvSpPr txBox="1"/>
+            <p:nvPr/>
+          </p:nvSpPr>
+          <p:spPr>
+            <a:xfrm>
+              <a:off x="2442972" y="1837712"/>
+              <a:ext cx="574196" cy="200055"/>
+            </a:xfrm>
+            <a:prstGeom prst="rect">
+              <a:avLst/>
+            </a:prstGeom>
+            <a:noFill/>
+          </p:spPr>
+          <p:txBody>
+            <a:bodyPr wrap="none" rtlCol="0">
+              <a:spAutoFit/>
+            </a:bodyPr>
+            <a:lstStyle/>
+            <a:p>
+              <a:r>
+                <a:rPr lang="en-US" sz="700" dirty="0">
+                  <a:solidFill>
+                    <a:schemeClr val="tx1">
+                      <a:lumMod val="50000"/>
+                      <a:lumOff val="50000"/>
+                    </a:schemeClr>
+                  </a:solidFill>
+                </a:rPr>
+                <a:t>Mid Range</a:t>
+              </a:r>
+            </a:p>
+          </p:txBody>
+        </p:sp>
+        <p:sp>
+          <p:nvSpPr>
+            <p:cNvPr id="23" name="Multiplication Sign 22">
+              <a:extLst>
+                <a:ext uri="{FF2B5EF4-FFF2-40B4-BE49-F238E27FC236}">
+                  <a16:creationId xmlns:a16="http://schemas.microsoft.com/office/drawing/2014/main" id="{4535E414-66E9-188A-ACB1-7D2CB986A50B}"/>
+                </a:ext>
+              </a:extLst>
+            </p:cNvPr>
+            <p:cNvSpPr/>
+            <p:nvPr/>
+          </p:nvSpPr>
+          <p:spPr>
+            <a:xfrm>
+              <a:off x="1842387" y="1740947"/>
+              <a:ext cx="182880" cy="182880"/>
+            </a:xfrm>
+            <a:prstGeom prst="mathMultiply">
+              <a:avLst/>
+            </a:prstGeom>
+            <a:solidFill>
+              <a:schemeClr val="tx2"/>
+            </a:solidFill>
+            <a:ln>
+              <a:noFill/>
+            </a:ln>
+          </p:spPr>
+          <p:style>
+            <a:lnRef idx="2">
+              <a:schemeClr val="accent1">
+                <a:shade val="15000"/>
+              </a:schemeClr>
+            </a:lnRef>
+            <a:fillRef idx="1">
+              <a:schemeClr val="accent1"/>
+            </a:fillRef>
+            <a:effectRef idx="0">
+              <a:schemeClr val="accent1"/>
+            </a:effectRef>
+            <a:fontRef idx="minor">
+              <a:schemeClr val="lt1"/>
+            </a:fontRef>
+          </p:style>
+          <p:txBody>
+            <a:bodyPr rtlCol="0" anchor="ctr"/>
+            <a:lstStyle/>
+            <a:p>
+              <a:pPr algn="ctr"/>
+              <a:endParaRPr lang="en-US"/>
+            </a:p>
+          </p:txBody>
+        </p:sp>
+        <p:sp>
+          <p:nvSpPr>
+            <p:cNvPr id="24" name="TextBox 23">
+              <a:extLst>
+                <a:ext uri="{FF2B5EF4-FFF2-40B4-BE49-F238E27FC236}">
+                  <a16:creationId xmlns:a16="http://schemas.microsoft.com/office/drawing/2014/main" id="{6DED8F87-A1CD-80C5-442B-E64CB5E647B0}"/>
+                </a:ext>
+              </a:extLst>
+            </p:cNvPr>
+            <p:cNvSpPr txBox="1"/>
+            <p:nvPr/>
+          </p:nvSpPr>
+          <p:spPr>
+            <a:xfrm>
+              <a:off x="3248459" y="1837712"/>
+              <a:ext cx="439544" cy="200055"/>
+            </a:xfrm>
+            <a:prstGeom prst="rect">
+              <a:avLst/>
+            </a:prstGeom>
+            <a:noFill/>
+          </p:spPr>
+          <p:txBody>
+            <a:bodyPr wrap="none" rtlCol="0">
+              <a:spAutoFit/>
+            </a:bodyPr>
+            <a:lstStyle/>
+            <a:p>
+              <a:r>
+                <a:rPr lang="en-US" sz="700" dirty="0">
+                  <a:solidFill>
+                    <a:schemeClr val="tx1">
+                      <a:lumMod val="50000"/>
+                      <a:lumOff val="50000"/>
+                    </a:schemeClr>
+                  </a:solidFill>
+                </a:rPr>
+                <a:t>Tempo</a:t>
+              </a:r>
+            </a:p>
+          </p:txBody>
+        </p:sp>
+      </p:grpSp>
+      <p:grpSp>
+        <p:nvGrpSpPr>
+          <p:cNvPr id="27" name="Group 26">
+            <a:extLst>
+              <a:ext uri="{FF2B5EF4-FFF2-40B4-BE49-F238E27FC236}">
+                <a16:creationId xmlns:a16="http://schemas.microsoft.com/office/drawing/2014/main" id="{6071A006-D0E7-611A-EAE7-14F8E235C2AC}"/>
+              </a:ext>
+            </a:extLst>
+          </p:cNvPr>
+          <p:cNvGrpSpPr/>
+          <p:nvPr/>
+        </p:nvGrpSpPr>
+        <p:grpSpPr>
+          <a:xfrm>
+            <a:off x="7721120" y="3904538"/>
+            <a:ext cx="2738986" cy="296820"/>
+            <a:chOff x="1639088" y="1740947"/>
+            <a:chExt cx="2738986" cy="296820"/>
+          </a:xfrm>
+        </p:grpSpPr>
+        <p:cxnSp>
+          <p:nvCxnSpPr>
+            <p:cNvPr id="29" name="Straight Connector 28">
+              <a:extLst>
+                <a:ext uri="{FF2B5EF4-FFF2-40B4-BE49-F238E27FC236}">
+                  <a16:creationId xmlns:a16="http://schemas.microsoft.com/office/drawing/2014/main" id="{D64DDFB3-AD1D-9F24-6D0E-31E20C0A0C14}"/>
+                </a:ext>
+              </a:extLst>
+            </p:cNvPr>
+            <p:cNvCxnSpPr>
+              <a:cxnSpLocks/>
+            </p:cNvCxnSpPr>
+            <p:nvPr/>
+          </p:nvCxnSpPr>
+          <p:spPr>
+            <a:xfrm>
+              <a:off x="1705763" y="1829160"/>
+              <a:ext cx="2545060" cy="6455"/>
+            </a:xfrm>
+            <a:prstGeom prst="line">
+              <a:avLst/>
+            </a:prstGeom>
+            <a:ln>
+              <a:solidFill>
+                <a:schemeClr val="tx2"/>
+              </a:solidFill>
+              <a:prstDash val="dash"/>
+            </a:ln>
+          </p:spPr>
+          <p:style>
+            <a:lnRef idx="1">
+              <a:schemeClr val="accent1"/>
+            </a:lnRef>
+            <a:fillRef idx="0">
+              <a:schemeClr val="accent1"/>
+            </a:fillRef>
+            <a:effectRef idx="0">
+              <a:schemeClr val="accent1"/>
+            </a:effectRef>
+            <a:fontRef idx="minor">
+              <a:schemeClr val="tx1"/>
+            </a:fontRef>
+          </p:style>
+        </p:cxnSp>
+        <p:sp>
+          <p:nvSpPr>
+            <p:cNvPr id="36" name="TextBox 35">
+              <a:extLst>
+                <a:ext uri="{FF2B5EF4-FFF2-40B4-BE49-F238E27FC236}">
+                  <a16:creationId xmlns:a16="http://schemas.microsoft.com/office/drawing/2014/main" id="{9639E30B-0CF8-4AC3-73A8-D04DF34884C5}"/>
+                </a:ext>
+              </a:extLst>
+            </p:cNvPr>
+            <p:cNvSpPr txBox="1"/>
+            <p:nvPr/>
+          </p:nvSpPr>
+          <p:spPr>
+            <a:xfrm>
+              <a:off x="1639088" y="1837712"/>
+              <a:ext cx="572593" cy="200055"/>
+            </a:xfrm>
+            <a:prstGeom prst="rect">
+              <a:avLst/>
+            </a:prstGeom>
+            <a:noFill/>
+          </p:spPr>
+          <p:txBody>
+            <a:bodyPr wrap="none" rtlCol="0">
+              <a:spAutoFit/>
+            </a:bodyPr>
+            <a:lstStyle/>
+            <a:p>
+              <a:r>
+                <a:rPr lang="en-US" sz="700" dirty="0">
+                  <a:solidFill>
+                    <a:schemeClr val="tx1">
+                      <a:lumMod val="50000"/>
+                      <a:lumOff val="50000"/>
+                    </a:schemeClr>
+                  </a:solidFill>
+                </a:rPr>
+                <a:t>Aggressive</a:t>
+              </a:r>
+            </a:p>
+          </p:txBody>
+        </p:sp>
+        <p:sp>
+          <p:nvSpPr>
+            <p:cNvPr id="38" name="TextBox 37">
+              <a:extLst>
+                <a:ext uri="{FF2B5EF4-FFF2-40B4-BE49-F238E27FC236}">
+                  <a16:creationId xmlns:a16="http://schemas.microsoft.com/office/drawing/2014/main" id="{8327B018-2EC0-0602-2C19-545C98380143}"/>
+                </a:ext>
+              </a:extLst>
+            </p:cNvPr>
+            <p:cNvSpPr txBox="1"/>
+            <p:nvPr/>
+          </p:nvSpPr>
+          <p:spPr>
+            <a:xfrm>
+              <a:off x="3919294" y="1837712"/>
+              <a:ext cx="458780" cy="200055"/>
+            </a:xfrm>
+            <a:prstGeom prst="rect">
+              <a:avLst/>
+            </a:prstGeom>
+            <a:noFill/>
+          </p:spPr>
+          <p:txBody>
+            <a:bodyPr wrap="none" rtlCol="0">
+              <a:spAutoFit/>
+            </a:bodyPr>
+            <a:lstStyle/>
+            <a:p>
+              <a:r>
+                <a:rPr lang="en-US" sz="700" dirty="0">
+                  <a:solidFill>
+                    <a:schemeClr val="tx1">
+                      <a:lumMod val="50000"/>
+                      <a:lumOff val="50000"/>
+                    </a:schemeClr>
+                  </a:solidFill>
+                </a:rPr>
+                <a:t>Control</a:t>
+              </a:r>
+            </a:p>
+          </p:txBody>
+        </p:sp>
+        <p:sp>
+          <p:nvSpPr>
+            <p:cNvPr id="39" name="TextBox 38">
+              <a:extLst>
+                <a:ext uri="{FF2B5EF4-FFF2-40B4-BE49-F238E27FC236}">
+                  <a16:creationId xmlns:a16="http://schemas.microsoft.com/office/drawing/2014/main" id="{93916E49-DFEC-A54B-350A-D085A647064F}"/>
+                </a:ext>
+              </a:extLst>
+            </p:cNvPr>
+            <p:cNvSpPr txBox="1"/>
+            <p:nvPr/>
+          </p:nvSpPr>
+          <p:spPr>
+            <a:xfrm>
+              <a:off x="2442972" y="1837712"/>
+              <a:ext cx="574196" cy="200055"/>
+            </a:xfrm>
+            <a:prstGeom prst="rect">
+              <a:avLst/>
+            </a:prstGeom>
+            <a:noFill/>
+          </p:spPr>
+          <p:txBody>
+            <a:bodyPr wrap="none" rtlCol="0">
+              <a:spAutoFit/>
+            </a:bodyPr>
+            <a:lstStyle/>
+            <a:p>
+              <a:r>
+                <a:rPr lang="en-US" sz="700" dirty="0">
+                  <a:solidFill>
+                    <a:schemeClr val="tx1">
+                      <a:lumMod val="50000"/>
+                      <a:lumOff val="50000"/>
+                    </a:schemeClr>
+                  </a:solidFill>
+                </a:rPr>
+                <a:t>Mid Range</a:t>
+              </a:r>
+            </a:p>
+          </p:txBody>
+        </p:sp>
+        <p:sp>
+          <p:nvSpPr>
+            <p:cNvPr id="43" name="Multiplication Sign 42">
+              <a:extLst>
+                <a:ext uri="{FF2B5EF4-FFF2-40B4-BE49-F238E27FC236}">
+                  <a16:creationId xmlns:a16="http://schemas.microsoft.com/office/drawing/2014/main" id="{45E83DA5-7A18-7039-D067-B442F4CDEADB}"/>
+                </a:ext>
+              </a:extLst>
+            </p:cNvPr>
+            <p:cNvSpPr/>
+            <p:nvPr/>
+          </p:nvSpPr>
+          <p:spPr>
+            <a:xfrm>
+              <a:off x="2639342" y="1740947"/>
+              <a:ext cx="182880" cy="182880"/>
+            </a:xfrm>
+            <a:prstGeom prst="mathMultiply">
+              <a:avLst/>
+            </a:prstGeom>
+            <a:solidFill>
+              <a:schemeClr val="tx2"/>
+            </a:solidFill>
+            <a:ln>
+              <a:noFill/>
+            </a:ln>
+          </p:spPr>
+          <p:style>
+            <a:lnRef idx="2">
+              <a:schemeClr val="accent1">
+                <a:shade val="15000"/>
+              </a:schemeClr>
+            </a:lnRef>
+            <a:fillRef idx="1">
+              <a:schemeClr val="accent1"/>
+            </a:fillRef>
+            <a:effectRef idx="0">
+              <a:schemeClr val="accent1"/>
+            </a:effectRef>
+            <a:fontRef idx="minor">
+              <a:schemeClr val="lt1"/>
+            </a:fontRef>
+          </p:style>
+          <p:txBody>
+            <a:bodyPr rtlCol="0" anchor="ctr"/>
+            <a:lstStyle/>
+            <a:p>
+              <a:pPr algn="ctr"/>
+              <a:endParaRPr lang="en-US"/>
+            </a:p>
+          </p:txBody>
+        </p:sp>
+        <p:sp>
+          <p:nvSpPr>
+            <p:cNvPr id="44" name="TextBox 43">
+              <a:extLst>
+                <a:ext uri="{FF2B5EF4-FFF2-40B4-BE49-F238E27FC236}">
+                  <a16:creationId xmlns:a16="http://schemas.microsoft.com/office/drawing/2014/main" id="{410A52E9-A539-4A6C-E67D-915524B53739}"/>
+                </a:ext>
+              </a:extLst>
+            </p:cNvPr>
+            <p:cNvSpPr txBox="1"/>
+            <p:nvPr/>
+          </p:nvSpPr>
+          <p:spPr>
+            <a:xfrm>
+              <a:off x="3248459" y="1837712"/>
+              <a:ext cx="439544" cy="200055"/>
+            </a:xfrm>
+            <a:prstGeom prst="rect">
+              <a:avLst/>
+            </a:prstGeom>
+            <a:noFill/>
+          </p:spPr>
+          <p:txBody>
+            <a:bodyPr wrap="none" rtlCol="0">
+              <a:spAutoFit/>
+            </a:bodyPr>
+            <a:lstStyle/>
+            <a:p>
+              <a:r>
+                <a:rPr lang="en-US" sz="700" dirty="0">
+                  <a:solidFill>
+                    <a:schemeClr val="tx1">
+                      <a:lumMod val="50000"/>
+                      <a:lumOff val="50000"/>
+                    </a:schemeClr>
+                  </a:solidFill>
+                </a:rPr>
+                <a:t>Tempo</a:t>
+              </a:r>
+            </a:p>
+          </p:txBody>
+        </p:sp>
+      </p:grpSp>
+      <p:grpSp>
+        <p:nvGrpSpPr>
+          <p:cNvPr id="45" name="Group 44">
+            <a:extLst>
+              <a:ext uri="{FF2B5EF4-FFF2-40B4-BE49-F238E27FC236}">
+                <a16:creationId xmlns:a16="http://schemas.microsoft.com/office/drawing/2014/main" id="{EA37EDF5-55F8-85AB-D15F-C79E7AC5085C}"/>
+              </a:ext>
+            </a:extLst>
+          </p:cNvPr>
+          <p:cNvGrpSpPr/>
+          <p:nvPr/>
+        </p:nvGrpSpPr>
+        <p:grpSpPr>
+          <a:xfrm>
+            <a:off x="2806296" y="6201909"/>
+            <a:ext cx="2738986" cy="296820"/>
+            <a:chOff x="1639088" y="1740947"/>
+            <a:chExt cx="2738986" cy="296820"/>
+          </a:xfrm>
+        </p:grpSpPr>
+        <p:cxnSp>
+          <p:nvCxnSpPr>
+            <p:cNvPr id="46" name="Straight Connector 45">
+              <a:extLst>
+                <a:ext uri="{FF2B5EF4-FFF2-40B4-BE49-F238E27FC236}">
+                  <a16:creationId xmlns:a16="http://schemas.microsoft.com/office/drawing/2014/main" id="{39F413EA-BE77-0D27-C2E4-27C515237347}"/>
+                </a:ext>
+              </a:extLst>
+            </p:cNvPr>
+            <p:cNvCxnSpPr>
+              <a:cxnSpLocks/>
+            </p:cNvCxnSpPr>
+            <p:nvPr/>
+          </p:nvCxnSpPr>
+          <p:spPr>
+            <a:xfrm>
+              <a:off x="1705763" y="1829160"/>
+              <a:ext cx="2545060" cy="6455"/>
+            </a:xfrm>
+            <a:prstGeom prst="line">
+              <a:avLst/>
+            </a:prstGeom>
+            <a:ln>
+              <a:solidFill>
+                <a:schemeClr val="tx2"/>
+              </a:solidFill>
+              <a:prstDash val="dash"/>
+            </a:ln>
+          </p:spPr>
+          <p:style>
+            <a:lnRef idx="1">
+              <a:schemeClr val="accent1"/>
+            </a:lnRef>
+            <a:fillRef idx="0">
+              <a:schemeClr val="accent1"/>
+            </a:fillRef>
+            <a:effectRef idx="0">
+              <a:schemeClr val="accent1"/>
+            </a:effectRef>
+            <a:fontRef idx="minor">
+              <a:schemeClr val="tx1"/>
+            </a:fontRef>
+          </p:style>
+        </p:cxnSp>
+        <p:sp>
+          <p:nvSpPr>
+            <p:cNvPr id="47" name="TextBox 46">
+              <a:extLst>
+                <a:ext uri="{FF2B5EF4-FFF2-40B4-BE49-F238E27FC236}">
+                  <a16:creationId xmlns:a16="http://schemas.microsoft.com/office/drawing/2014/main" id="{A5EB4660-3D26-81A1-2721-8F20694880DA}"/>
+                </a:ext>
+              </a:extLst>
+            </p:cNvPr>
+            <p:cNvSpPr txBox="1"/>
+            <p:nvPr/>
+          </p:nvSpPr>
+          <p:spPr>
+            <a:xfrm>
+              <a:off x="1639088" y="1837712"/>
+              <a:ext cx="572593" cy="200055"/>
+            </a:xfrm>
+            <a:prstGeom prst="rect">
+              <a:avLst/>
+            </a:prstGeom>
+            <a:noFill/>
+          </p:spPr>
+          <p:txBody>
+            <a:bodyPr wrap="none" rtlCol="0">
+              <a:spAutoFit/>
+            </a:bodyPr>
+            <a:lstStyle/>
+            <a:p>
+              <a:r>
+                <a:rPr lang="en-US" sz="700" dirty="0">
+                  <a:solidFill>
+                    <a:schemeClr val="tx1">
+                      <a:lumMod val="50000"/>
+                      <a:lumOff val="50000"/>
+                    </a:schemeClr>
+                  </a:solidFill>
+                </a:rPr>
+                <a:t>Aggressive</a:t>
+              </a:r>
+            </a:p>
+          </p:txBody>
+        </p:sp>
+        <p:sp>
+          <p:nvSpPr>
+            <p:cNvPr id="48" name="TextBox 47">
+              <a:extLst>
+                <a:ext uri="{FF2B5EF4-FFF2-40B4-BE49-F238E27FC236}">
+                  <a16:creationId xmlns:a16="http://schemas.microsoft.com/office/drawing/2014/main" id="{7E58D591-3748-8D27-5964-3159ACF8804B}"/>
+                </a:ext>
+              </a:extLst>
+            </p:cNvPr>
+            <p:cNvSpPr txBox="1"/>
+            <p:nvPr/>
+          </p:nvSpPr>
+          <p:spPr>
+            <a:xfrm>
+              <a:off x="3919294" y="1837712"/>
+              <a:ext cx="458780" cy="200055"/>
+            </a:xfrm>
+            <a:prstGeom prst="rect">
+              <a:avLst/>
+            </a:prstGeom>
+            <a:noFill/>
+          </p:spPr>
+          <p:txBody>
+            <a:bodyPr wrap="none" rtlCol="0">
+              <a:spAutoFit/>
+            </a:bodyPr>
+            <a:lstStyle/>
+            <a:p>
+              <a:r>
+                <a:rPr lang="en-US" sz="700" dirty="0">
+                  <a:solidFill>
+                    <a:schemeClr val="tx1">
+                      <a:lumMod val="50000"/>
+                      <a:lumOff val="50000"/>
+                    </a:schemeClr>
+                  </a:solidFill>
+                </a:rPr>
+                <a:t>Control</a:t>
+              </a:r>
+            </a:p>
+          </p:txBody>
+        </p:sp>
+        <p:sp>
+          <p:nvSpPr>
+            <p:cNvPr id="49" name="TextBox 48">
+              <a:extLst>
+                <a:ext uri="{FF2B5EF4-FFF2-40B4-BE49-F238E27FC236}">
+                  <a16:creationId xmlns:a16="http://schemas.microsoft.com/office/drawing/2014/main" id="{078B2F8F-18D4-D6AB-CBB3-118F095F203E}"/>
+                </a:ext>
+              </a:extLst>
+            </p:cNvPr>
+            <p:cNvSpPr txBox="1"/>
+            <p:nvPr/>
+          </p:nvSpPr>
+          <p:spPr>
+            <a:xfrm>
+              <a:off x="2442972" y="1837712"/>
+              <a:ext cx="574196" cy="200055"/>
+            </a:xfrm>
+            <a:prstGeom prst="rect">
+              <a:avLst/>
+            </a:prstGeom>
+            <a:noFill/>
+          </p:spPr>
+          <p:txBody>
+            <a:bodyPr wrap="none" rtlCol="0">
+              <a:spAutoFit/>
+            </a:bodyPr>
+            <a:lstStyle/>
+            <a:p>
+              <a:r>
+                <a:rPr lang="en-US" sz="700" dirty="0">
+                  <a:solidFill>
+                    <a:schemeClr val="tx1">
+                      <a:lumMod val="50000"/>
+                      <a:lumOff val="50000"/>
+                    </a:schemeClr>
+                  </a:solidFill>
+                </a:rPr>
+                <a:t>Mid Range</a:t>
+              </a:r>
+            </a:p>
+          </p:txBody>
+        </p:sp>
+        <p:sp>
+          <p:nvSpPr>
+            <p:cNvPr id="50" name="Multiplication Sign 49">
+              <a:extLst>
+                <a:ext uri="{FF2B5EF4-FFF2-40B4-BE49-F238E27FC236}">
+                  <a16:creationId xmlns:a16="http://schemas.microsoft.com/office/drawing/2014/main" id="{73B8DDD6-A1EA-F371-E184-B65305894607}"/>
+                </a:ext>
+              </a:extLst>
+            </p:cNvPr>
+            <p:cNvSpPr/>
+            <p:nvPr/>
+          </p:nvSpPr>
+          <p:spPr>
+            <a:xfrm>
+              <a:off x="3033625" y="1740947"/>
+              <a:ext cx="182880" cy="182880"/>
+            </a:xfrm>
+            <a:prstGeom prst="mathMultiply">
+              <a:avLst/>
+            </a:prstGeom>
+            <a:solidFill>
+              <a:schemeClr val="tx2"/>
+            </a:solidFill>
+            <a:ln>
+              <a:noFill/>
+            </a:ln>
+          </p:spPr>
+          <p:style>
+            <a:lnRef idx="2">
+              <a:schemeClr val="accent1">
+                <a:shade val="15000"/>
+              </a:schemeClr>
+            </a:lnRef>
+            <a:fillRef idx="1">
+              <a:schemeClr val="accent1"/>
+            </a:fillRef>
+            <a:effectRef idx="0">
+              <a:schemeClr val="accent1"/>
+            </a:effectRef>
+            <a:fontRef idx="minor">
+              <a:schemeClr val="lt1"/>
+            </a:fontRef>
+          </p:style>
+          <p:txBody>
+            <a:bodyPr rtlCol="0" anchor="ctr"/>
+            <a:lstStyle/>
+            <a:p>
+              <a:pPr algn="ctr"/>
+              <a:endParaRPr lang="en-US"/>
+            </a:p>
+          </p:txBody>
+        </p:sp>
+        <p:sp>
+          <p:nvSpPr>
+            <p:cNvPr id="51" name="TextBox 50">
+              <a:extLst>
+                <a:ext uri="{FF2B5EF4-FFF2-40B4-BE49-F238E27FC236}">
+                  <a16:creationId xmlns:a16="http://schemas.microsoft.com/office/drawing/2014/main" id="{F4402DEA-ABC3-393F-AB94-EE61C7DC175E}"/>
+                </a:ext>
+              </a:extLst>
+            </p:cNvPr>
+            <p:cNvSpPr txBox="1"/>
+            <p:nvPr/>
+          </p:nvSpPr>
+          <p:spPr>
+            <a:xfrm>
+              <a:off x="3248459" y="1837712"/>
+              <a:ext cx="439544" cy="200055"/>
+            </a:xfrm>
+            <a:prstGeom prst="rect">
+              <a:avLst/>
+            </a:prstGeom>
+            <a:noFill/>
+          </p:spPr>
+          <p:txBody>
+            <a:bodyPr wrap="none" rtlCol="0">
+              <a:spAutoFit/>
+            </a:bodyPr>
+            <a:lstStyle/>
+            <a:p>
+              <a:r>
+                <a:rPr lang="en-US" sz="700" dirty="0">
+                  <a:solidFill>
+                    <a:schemeClr val="tx1">
+                      <a:lumMod val="50000"/>
+                      <a:lumOff val="50000"/>
+                    </a:schemeClr>
+                  </a:solidFill>
+                </a:rPr>
+                <a:t>Tempo</a:t>
+              </a:r>
+            </a:p>
+          </p:txBody>
+        </p:sp>
+      </p:grpSp>
     </p:spTree>
     <p:extLst>
       <p:ext uri="{BB962C8B-B14F-4D97-AF65-F5344CB8AC3E}">
